--- a/materials/slides/2.2 全局探索式（漫游）测试法.pptx
+++ b/materials/slides/2.2 全局探索式（漫游）测试法.pptx
@@ -221,7 +221,7 @@
           <a:p>
             <a:fld id="{EC82124A-F363-4BD3-8BA5-C8EDB8A4673E}" type="datetimeFigureOut">
               <a:rPr lang="zh-CN" altLang="en-US" smtClean="0"/>
-              <a:t>2019/8/25</a:t>
+              <a:t>2019/9/15</a:t>
             </a:fld>
             <a:endParaRPr lang="zh-CN" altLang="en-US"/>
           </a:p>
@@ -1586,7 +1586,7 @@
           <a:p>
             <a:fld id="{C04CF4A6-17F9-4CD5-BCB8-44B65F331829}" type="datetimeFigureOut">
               <a:rPr lang="zh-CN" altLang="en-US" smtClean="0"/>
-              <a:t>2019/8/25</a:t>
+              <a:t>2019/9/15</a:t>
             </a:fld>
             <a:endParaRPr lang="zh-CN" altLang="en-US"/>
           </a:p>
@@ -1878,7 +1878,7 @@
           <a:p>
             <a:fld id="{C04CF4A6-17F9-4CD5-BCB8-44B65F331829}" type="datetimeFigureOut">
               <a:rPr lang="zh-CN" altLang="en-US" smtClean="0"/>
-              <a:t>2019/8/25</a:t>
+              <a:t>2019/9/15</a:t>
             </a:fld>
             <a:endParaRPr lang="zh-CN" altLang="en-US"/>
           </a:p>
@@ -2048,7 +2048,7 @@
           <a:p>
             <a:fld id="{C04CF4A6-17F9-4CD5-BCB8-44B65F331829}" type="datetimeFigureOut">
               <a:rPr lang="zh-CN" altLang="en-US" smtClean="0"/>
-              <a:t>2019/8/25</a:t>
+              <a:t>2019/9/15</a:t>
             </a:fld>
             <a:endParaRPr lang="zh-CN" altLang="en-US"/>
           </a:p>
@@ -2228,7 +2228,7 @@
           <a:p>
             <a:fld id="{C04CF4A6-17F9-4CD5-BCB8-44B65F331829}" type="datetimeFigureOut">
               <a:rPr lang="zh-CN" altLang="en-US" smtClean="0"/>
-              <a:t>2019/8/25</a:t>
+              <a:t>2019/9/15</a:t>
             </a:fld>
             <a:endParaRPr lang="zh-CN" altLang="en-US"/>
           </a:p>
@@ -2652,7 +2652,7 @@
           <a:p>
             <a:fld id="{C04CF4A6-17F9-4CD5-BCB8-44B65F331829}" type="datetimeFigureOut">
               <a:rPr lang="zh-CN" altLang="en-US" smtClean="0"/>
-              <a:t>2019/8/25</a:t>
+              <a:t>2019/9/15</a:t>
             </a:fld>
             <a:endParaRPr lang="zh-CN" altLang="en-US"/>
           </a:p>
@@ -2949,7 +2949,7 @@
           <a:p>
             <a:fld id="{C04CF4A6-17F9-4CD5-BCB8-44B65F331829}" type="datetimeFigureOut">
               <a:rPr lang="zh-CN" altLang="en-US" smtClean="0"/>
-              <a:t>2019/8/25</a:t>
+              <a:t>2019/9/15</a:t>
             </a:fld>
             <a:endParaRPr lang="zh-CN" altLang="en-US"/>
           </a:p>
@@ -3268,7 +3268,7 @@
           <a:p>
             <a:fld id="{C04CF4A6-17F9-4CD5-BCB8-44B65F331829}" type="datetimeFigureOut">
               <a:rPr lang="zh-CN" altLang="en-US" smtClean="0"/>
-              <a:t>2019/8/25</a:t>
+              <a:t>2019/9/15</a:t>
             </a:fld>
             <a:endParaRPr lang="zh-CN" altLang="en-US"/>
           </a:p>
@@ -3500,7 +3500,7 @@
           <a:p>
             <a:fld id="{C04CF4A6-17F9-4CD5-BCB8-44B65F331829}" type="datetimeFigureOut">
               <a:rPr lang="zh-CN" altLang="en-US" smtClean="0"/>
-              <a:t>2019/8/25</a:t>
+              <a:t>2019/9/15</a:t>
             </a:fld>
             <a:endParaRPr lang="zh-CN" altLang="en-US"/>
           </a:p>
@@ -3867,7 +3867,7 @@
           <a:p>
             <a:fld id="{C04CF4A6-17F9-4CD5-BCB8-44B65F331829}" type="datetimeFigureOut">
               <a:rPr lang="zh-CN" altLang="en-US" smtClean="0"/>
-              <a:t>2019/8/25</a:t>
+              <a:t>2019/9/15</a:t>
             </a:fld>
             <a:endParaRPr lang="zh-CN" altLang="en-US"/>
           </a:p>
@@ -3985,7 +3985,7 @@
           <a:p>
             <a:fld id="{C04CF4A6-17F9-4CD5-BCB8-44B65F331829}" type="datetimeFigureOut">
               <a:rPr lang="zh-CN" altLang="en-US" smtClean="0"/>
-              <a:t>2019/8/25</a:t>
+              <a:t>2019/9/15</a:t>
             </a:fld>
             <a:endParaRPr lang="zh-CN" altLang="en-US"/>
           </a:p>
@@ -4080,7 +4080,7 @@
           <a:p>
             <a:fld id="{C04CF4A6-17F9-4CD5-BCB8-44B65F331829}" type="datetimeFigureOut">
               <a:rPr lang="zh-CN" altLang="en-US" smtClean="0"/>
-              <a:t>2019/8/25</a:t>
+              <a:t>2019/9/15</a:t>
             </a:fld>
             <a:endParaRPr lang="zh-CN" altLang="en-US"/>
           </a:p>
@@ -4357,7 +4357,7 @@
           <a:p>
             <a:fld id="{C04CF4A6-17F9-4CD5-BCB8-44B65F331829}" type="datetimeFigureOut">
               <a:rPr lang="zh-CN" altLang="en-US" smtClean="0"/>
-              <a:t>2019/8/25</a:t>
+              <a:t>2019/9/15</a:t>
             </a:fld>
             <a:endParaRPr lang="zh-CN" altLang="en-US"/>
           </a:p>
@@ -4570,7 +4570,7 @@
           <a:p>
             <a:fld id="{C04CF4A6-17F9-4CD5-BCB8-44B65F331829}" type="datetimeFigureOut">
               <a:rPr lang="zh-CN" altLang="en-US" smtClean="0"/>
-              <a:t>2019/8/25</a:t>
+              <a:t>2019/9/15</a:t>
             </a:fld>
             <a:endParaRPr lang="zh-CN" altLang="en-US"/>
           </a:p>
@@ -5454,8 +5454,16 @@
           </a:p>
           <a:p>
             <a:r>
+              <a:rPr lang="zh-CN" altLang="en-US" dirty="0" smtClean="0">
+                <a:solidFill>
+                  <a:srgbClr val="FF0000"/>
+                </a:solidFill>
+              </a:rPr>
+              <a:t>指南</a:t>
+            </a:r>
+            <a:r>
               <a:rPr lang="zh-CN" altLang="en-US" dirty="0" smtClean="0"/>
-              <a:t>指南测试法：一个城市必须确保景点的干净、安全、令人愉快，这样旅游者才会花钱而且再次或多次回来拜访。从测试的角度来看，要求测试人员通过阅读用户手册并严格遵照手册的建议执行操作。和城市一样，测试人员希望软件用户可以享受软件的使用过程，因此主要特性必须使用可靠并像宣传的一样好。指南测试法强迫测试人员按照用户的使用方式把软件特性串联起来测试，同时还要求这些特性按照用户的真实使用方式相互交互，所以这时发现的任何缺陷都很有可能及其重要。</a:t>
+              <a:t>测试法：一个城市必须确保景点的干净、安全、令人愉快，这样旅游者才会花钱而且再次或多次回来拜访。从测试的角度来看，要求测试人员通过阅读用户手册并严格遵照手册的建议执行操作。和城市一样，测试人员希望软件用户可以享受软件的使用过程，因此主要特性必须使用可靠并像宣传的一样好。指南测试法强迫测试人员按照用户的使用方式把软件特性串联起来测试，同时还要求这些特性按照用户的真实使用方式相互交互，所以这时发现的任何缺陷都很有可能及其重要。</a:t>
             </a:r>
           </a:p>
           <a:p>
@@ -5476,7 +5484,236 @@
   <p:timing>
     <p:tnLst>
       <p:par>
-        <p:cTn id="1" dur="indefinite" restart="never" nodeType="tmRoot"/>
+        <p:cTn id="1" dur="indefinite" restart="never" nodeType="tmRoot">
+          <p:childTnLst>
+            <p:seq concurrent="1" nextAc="seek">
+              <p:cTn id="2" dur="indefinite" nodeType="mainSeq">
+                <p:childTnLst>
+                  <p:par>
+                    <p:cTn id="3" fill="hold">
+                      <p:stCondLst>
+                        <p:cond delay="indefinite"/>
+                      </p:stCondLst>
+                      <p:childTnLst>
+                        <p:par>
+                          <p:cTn id="4" fill="hold">
+                            <p:stCondLst>
+                              <p:cond delay="0"/>
+                            </p:stCondLst>
+                            <p:childTnLst>
+                              <p:par>
+                                <p:cTn id="5" presetID="2" presetClass="entr" presetSubtype="4" fill="hold" nodeType="clickEffect">
+                                  <p:stCondLst>
+                                    <p:cond delay="0"/>
+                                  </p:stCondLst>
+                                  <p:childTnLst>
+                                    <p:set>
+                                      <p:cBhvr>
+                                        <p:cTn id="6" dur="1" fill="hold">
+                                          <p:stCondLst>
+                                            <p:cond delay="0"/>
+                                          </p:stCondLst>
+                                        </p:cTn>
+                                        <p:tgtEl>
+                                          <p:spTgt spid="3">
+                                            <p:txEl>
+                                              <p:pRg st="0" end="0"/>
+                                            </p:txEl>
+                                          </p:spTgt>
+                                        </p:tgtEl>
+                                        <p:attrNameLst>
+                                          <p:attrName>style.visibility</p:attrName>
+                                        </p:attrNameLst>
+                                      </p:cBhvr>
+                                      <p:to>
+                                        <p:strVal val="visible"/>
+                                      </p:to>
+                                    </p:set>
+                                    <p:anim calcmode="lin" valueType="num">
+                                      <p:cBhvr additive="base">
+                                        <p:cTn id="7" dur="500" fill="hold"/>
+                                        <p:tgtEl>
+                                          <p:spTgt spid="3">
+                                            <p:txEl>
+                                              <p:pRg st="0" end="0"/>
+                                            </p:txEl>
+                                          </p:spTgt>
+                                        </p:tgtEl>
+                                        <p:attrNameLst>
+                                          <p:attrName>ppt_x</p:attrName>
+                                        </p:attrNameLst>
+                                      </p:cBhvr>
+                                      <p:tavLst>
+                                        <p:tav tm="0">
+                                          <p:val>
+                                            <p:strVal val="#ppt_x"/>
+                                          </p:val>
+                                        </p:tav>
+                                        <p:tav tm="100000">
+                                          <p:val>
+                                            <p:strVal val="#ppt_x"/>
+                                          </p:val>
+                                        </p:tav>
+                                      </p:tavLst>
+                                    </p:anim>
+                                    <p:anim calcmode="lin" valueType="num">
+                                      <p:cBhvr additive="base">
+                                        <p:cTn id="8" dur="500" fill="hold"/>
+                                        <p:tgtEl>
+                                          <p:spTgt spid="3">
+                                            <p:txEl>
+                                              <p:pRg st="0" end="0"/>
+                                            </p:txEl>
+                                          </p:spTgt>
+                                        </p:tgtEl>
+                                        <p:attrNameLst>
+                                          <p:attrName>ppt_y</p:attrName>
+                                        </p:attrNameLst>
+                                      </p:cBhvr>
+                                      <p:tavLst>
+                                        <p:tav tm="0">
+                                          <p:val>
+                                            <p:strVal val="1+#ppt_h/2"/>
+                                          </p:val>
+                                        </p:tav>
+                                        <p:tav tm="100000">
+                                          <p:val>
+                                            <p:strVal val="#ppt_y"/>
+                                          </p:val>
+                                        </p:tav>
+                                      </p:tavLst>
+                                    </p:anim>
+                                  </p:childTnLst>
+                                </p:cTn>
+                              </p:par>
+                            </p:childTnLst>
+                          </p:cTn>
+                        </p:par>
+                      </p:childTnLst>
+                    </p:cTn>
+                  </p:par>
+                  <p:par>
+                    <p:cTn id="9" fill="hold">
+                      <p:stCondLst>
+                        <p:cond delay="indefinite"/>
+                      </p:stCondLst>
+                      <p:childTnLst>
+                        <p:par>
+                          <p:cTn id="10" fill="hold">
+                            <p:stCondLst>
+                              <p:cond delay="0"/>
+                            </p:stCondLst>
+                            <p:childTnLst>
+                              <p:par>
+                                <p:cTn id="11" presetID="2" presetClass="entr" presetSubtype="4" fill="hold" nodeType="clickEffect">
+                                  <p:stCondLst>
+                                    <p:cond delay="0"/>
+                                  </p:stCondLst>
+                                  <p:childTnLst>
+                                    <p:set>
+                                      <p:cBhvr>
+                                        <p:cTn id="12" dur="1" fill="hold">
+                                          <p:stCondLst>
+                                            <p:cond delay="0"/>
+                                          </p:stCondLst>
+                                        </p:cTn>
+                                        <p:tgtEl>
+                                          <p:spTgt spid="3">
+                                            <p:txEl>
+                                              <p:pRg st="1" end="1"/>
+                                            </p:txEl>
+                                          </p:spTgt>
+                                        </p:tgtEl>
+                                        <p:attrNameLst>
+                                          <p:attrName>style.visibility</p:attrName>
+                                        </p:attrNameLst>
+                                      </p:cBhvr>
+                                      <p:to>
+                                        <p:strVal val="visible"/>
+                                      </p:to>
+                                    </p:set>
+                                    <p:anim calcmode="lin" valueType="num">
+                                      <p:cBhvr additive="base">
+                                        <p:cTn id="13" dur="500" fill="hold"/>
+                                        <p:tgtEl>
+                                          <p:spTgt spid="3">
+                                            <p:txEl>
+                                              <p:pRg st="1" end="1"/>
+                                            </p:txEl>
+                                          </p:spTgt>
+                                        </p:tgtEl>
+                                        <p:attrNameLst>
+                                          <p:attrName>ppt_x</p:attrName>
+                                        </p:attrNameLst>
+                                      </p:cBhvr>
+                                      <p:tavLst>
+                                        <p:tav tm="0">
+                                          <p:val>
+                                            <p:strVal val="#ppt_x"/>
+                                          </p:val>
+                                        </p:tav>
+                                        <p:tav tm="100000">
+                                          <p:val>
+                                            <p:strVal val="#ppt_x"/>
+                                          </p:val>
+                                        </p:tav>
+                                      </p:tavLst>
+                                    </p:anim>
+                                    <p:anim calcmode="lin" valueType="num">
+                                      <p:cBhvr additive="base">
+                                        <p:cTn id="14" dur="500" fill="hold"/>
+                                        <p:tgtEl>
+                                          <p:spTgt spid="3">
+                                            <p:txEl>
+                                              <p:pRg st="1" end="1"/>
+                                            </p:txEl>
+                                          </p:spTgt>
+                                        </p:tgtEl>
+                                        <p:attrNameLst>
+                                          <p:attrName>ppt_y</p:attrName>
+                                        </p:attrNameLst>
+                                      </p:cBhvr>
+                                      <p:tavLst>
+                                        <p:tav tm="0">
+                                          <p:val>
+                                            <p:strVal val="1+#ppt_h/2"/>
+                                          </p:val>
+                                        </p:tav>
+                                        <p:tav tm="100000">
+                                          <p:val>
+                                            <p:strVal val="#ppt_y"/>
+                                          </p:val>
+                                        </p:tav>
+                                      </p:tavLst>
+                                    </p:anim>
+                                  </p:childTnLst>
+                                </p:cTn>
+                              </p:par>
+                            </p:childTnLst>
+                          </p:cTn>
+                        </p:par>
+                      </p:childTnLst>
+                    </p:cTn>
+                  </p:par>
+                </p:childTnLst>
+              </p:cTn>
+              <p:prevCondLst>
+                <p:cond evt="onPrev" delay="0">
+                  <p:tgtEl>
+                    <p:sldTgt/>
+                  </p:tgtEl>
+                </p:cond>
+              </p:prevCondLst>
+              <p:nextCondLst>
+                <p:cond evt="onNext" delay="0">
+                  <p:tgtEl>
+                    <p:sldTgt/>
+                  </p:tgtEl>
+                </p:cond>
+              </p:nextCondLst>
+            </p:seq>
+          </p:childTnLst>
+        </p:cTn>
       </p:par>
     </p:tnLst>
   </p:timing>
@@ -5605,7 +5842,442 @@
   <p:timing>
     <p:tnLst>
       <p:par>
-        <p:cTn id="1" dur="indefinite" restart="never" nodeType="tmRoot"/>
+        <p:cTn id="1" dur="indefinite" restart="never" nodeType="tmRoot">
+          <p:childTnLst>
+            <p:seq concurrent="1" nextAc="seek">
+              <p:cTn id="2" dur="indefinite" nodeType="mainSeq">
+                <p:childTnLst>
+                  <p:par>
+                    <p:cTn id="3" fill="hold">
+                      <p:stCondLst>
+                        <p:cond delay="indefinite"/>
+                      </p:stCondLst>
+                      <p:childTnLst>
+                        <p:par>
+                          <p:cTn id="4" fill="hold">
+                            <p:stCondLst>
+                              <p:cond delay="0"/>
+                            </p:stCondLst>
+                            <p:childTnLst>
+                              <p:par>
+                                <p:cTn id="5" presetID="2" presetClass="entr" presetSubtype="4" fill="hold" nodeType="clickEffect">
+                                  <p:stCondLst>
+                                    <p:cond delay="0"/>
+                                  </p:stCondLst>
+                                  <p:childTnLst>
+                                    <p:set>
+                                      <p:cBhvr>
+                                        <p:cTn id="6" dur="1" fill="hold">
+                                          <p:stCondLst>
+                                            <p:cond delay="0"/>
+                                          </p:stCondLst>
+                                        </p:cTn>
+                                        <p:tgtEl>
+                                          <p:spTgt spid="3">
+                                            <p:txEl>
+                                              <p:pRg st="0" end="0"/>
+                                            </p:txEl>
+                                          </p:spTgt>
+                                        </p:tgtEl>
+                                        <p:attrNameLst>
+                                          <p:attrName>style.visibility</p:attrName>
+                                        </p:attrNameLst>
+                                      </p:cBhvr>
+                                      <p:to>
+                                        <p:strVal val="visible"/>
+                                      </p:to>
+                                    </p:set>
+                                    <p:anim calcmode="lin" valueType="num">
+                                      <p:cBhvr additive="base">
+                                        <p:cTn id="7" dur="500" fill="hold"/>
+                                        <p:tgtEl>
+                                          <p:spTgt spid="3">
+                                            <p:txEl>
+                                              <p:pRg st="0" end="0"/>
+                                            </p:txEl>
+                                          </p:spTgt>
+                                        </p:tgtEl>
+                                        <p:attrNameLst>
+                                          <p:attrName>ppt_x</p:attrName>
+                                        </p:attrNameLst>
+                                      </p:cBhvr>
+                                      <p:tavLst>
+                                        <p:tav tm="0">
+                                          <p:val>
+                                            <p:strVal val="#ppt_x"/>
+                                          </p:val>
+                                        </p:tav>
+                                        <p:tav tm="100000">
+                                          <p:val>
+                                            <p:strVal val="#ppt_x"/>
+                                          </p:val>
+                                        </p:tav>
+                                      </p:tavLst>
+                                    </p:anim>
+                                    <p:anim calcmode="lin" valueType="num">
+                                      <p:cBhvr additive="base">
+                                        <p:cTn id="8" dur="500" fill="hold"/>
+                                        <p:tgtEl>
+                                          <p:spTgt spid="3">
+                                            <p:txEl>
+                                              <p:pRg st="0" end="0"/>
+                                            </p:txEl>
+                                          </p:spTgt>
+                                        </p:tgtEl>
+                                        <p:attrNameLst>
+                                          <p:attrName>ppt_y</p:attrName>
+                                        </p:attrNameLst>
+                                      </p:cBhvr>
+                                      <p:tavLst>
+                                        <p:tav tm="0">
+                                          <p:val>
+                                            <p:strVal val="1+#ppt_h/2"/>
+                                          </p:val>
+                                        </p:tav>
+                                        <p:tav tm="100000">
+                                          <p:val>
+                                            <p:strVal val="#ppt_y"/>
+                                          </p:val>
+                                        </p:tav>
+                                      </p:tavLst>
+                                    </p:anim>
+                                  </p:childTnLst>
+                                </p:cTn>
+                              </p:par>
+                            </p:childTnLst>
+                          </p:cTn>
+                        </p:par>
+                      </p:childTnLst>
+                    </p:cTn>
+                  </p:par>
+                  <p:par>
+                    <p:cTn id="9" fill="hold">
+                      <p:stCondLst>
+                        <p:cond delay="indefinite"/>
+                      </p:stCondLst>
+                      <p:childTnLst>
+                        <p:par>
+                          <p:cTn id="10" fill="hold">
+                            <p:stCondLst>
+                              <p:cond delay="0"/>
+                            </p:stCondLst>
+                            <p:childTnLst>
+                              <p:par>
+                                <p:cTn id="11" presetID="2" presetClass="entr" presetSubtype="4" fill="hold" nodeType="clickEffect">
+                                  <p:stCondLst>
+                                    <p:cond delay="0"/>
+                                  </p:stCondLst>
+                                  <p:childTnLst>
+                                    <p:set>
+                                      <p:cBhvr>
+                                        <p:cTn id="12" dur="1" fill="hold">
+                                          <p:stCondLst>
+                                            <p:cond delay="0"/>
+                                          </p:stCondLst>
+                                        </p:cTn>
+                                        <p:tgtEl>
+                                          <p:spTgt spid="3">
+                                            <p:txEl>
+                                              <p:pRg st="1" end="1"/>
+                                            </p:txEl>
+                                          </p:spTgt>
+                                        </p:tgtEl>
+                                        <p:attrNameLst>
+                                          <p:attrName>style.visibility</p:attrName>
+                                        </p:attrNameLst>
+                                      </p:cBhvr>
+                                      <p:to>
+                                        <p:strVal val="visible"/>
+                                      </p:to>
+                                    </p:set>
+                                    <p:anim calcmode="lin" valueType="num">
+                                      <p:cBhvr additive="base">
+                                        <p:cTn id="13" dur="500" fill="hold"/>
+                                        <p:tgtEl>
+                                          <p:spTgt spid="3">
+                                            <p:txEl>
+                                              <p:pRg st="1" end="1"/>
+                                            </p:txEl>
+                                          </p:spTgt>
+                                        </p:tgtEl>
+                                        <p:attrNameLst>
+                                          <p:attrName>ppt_x</p:attrName>
+                                        </p:attrNameLst>
+                                      </p:cBhvr>
+                                      <p:tavLst>
+                                        <p:tav tm="0">
+                                          <p:val>
+                                            <p:strVal val="#ppt_x"/>
+                                          </p:val>
+                                        </p:tav>
+                                        <p:tav tm="100000">
+                                          <p:val>
+                                            <p:strVal val="#ppt_x"/>
+                                          </p:val>
+                                        </p:tav>
+                                      </p:tavLst>
+                                    </p:anim>
+                                    <p:anim calcmode="lin" valueType="num">
+                                      <p:cBhvr additive="base">
+                                        <p:cTn id="14" dur="500" fill="hold"/>
+                                        <p:tgtEl>
+                                          <p:spTgt spid="3">
+                                            <p:txEl>
+                                              <p:pRg st="1" end="1"/>
+                                            </p:txEl>
+                                          </p:spTgt>
+                                        </p:tgtEl>
+                                        <p:attrNameLst>
+                                          <p:attrName>ppt_y</p:attrName>
+                                        </p:attrNameLst>
+                                      </p:cBhvr>
+                                      <p:tavLst>
+                                        <p:tav tm="0">
+                                          <p:val>
+                                            <p:strVal val="1+#ppt_h/2"/>
+                                          </p:val>
+                                        </p:tav>
+                                        <p:tav tm="100000">
+                                          <p:val>
+                                            <p:strVal val="#ppt_y"/>
+                                          </p:val>
+                                        </p:tav>
+                                      </p:tavLst>
+                                    </p:anim>
+                                  </p:childTnLst>
+                                </p:cTn>
+                              </p:par>
+                            </p:childTnLst>
+                          </p:cTn>
+                        </p:par>
+                      </p:childTnLst>
+                    </p:cTn>
+                  </p:par>
+                  <p:par>
+                    <p:cTn id="15" fill="hold">
+                      <p:stCondLst>
+                        <p:cond delay="indefinite"/>
+                      </p:stCondLst>
+                      <p:childTnLst>
+                        <p:par>
+                          <p:cTn id="16" fill="hold">
+                            <p:stCondLst>
+                              <p:cond delay="0"/>
+                            </p:stCondLst>
+                            <p:childTnLst>
+                              <p:par>
+                                <p:cTn id="17" presetID="2" presetClass="entr" presetSubtype="4" fill="hold" nodeType="clickEffect">
+                                  <p:stCondLst>
+                                    <p:cond delay="0"/>
+                                  </p:stCondLst>
+                                  <p:childTnLst>
+                                    <p:set>
+                                      <p:cBhvr>
+                                        <p:cTn id="18" dur="1" fill="hold">
+                                          <p:stCondLst>
+                                            <p:cond delay="0"/>
+                                          </p:stCondLst>
+                                        </p:cTn>
+                                        <p:tgtEl>
+                                          <p:spTgt spid="3">
+                                            <p:txEl>
+                                              <p:pRg st="2" end="2"/>
+                                            </p:txEl>
+                                          </p:spTgt>
+                                        </p:tgtEl>
+                                        <p:attrNameLst>
+                                          <p:attrName>style.visibility</p:attrName>
+                                        </p:attrNameLst>
+                                      </p:cBhvr>
+                                      <p:to>
+                                        <p:strVal val="visible"/>
+                                      </p:to>
+                                    </p:set>
+                                    <p:anim calcmode="lin" valueType="num">
+                                      <p:cBhvr additive="base">
+                                        <p:cTn id="19" dur="500" fill="hold"/>
+                                        <p:tgtEl>
+                                          <p:spTgt spid="3">
+                                            <p:txEl>
+                                              <p:pRg st="2" end="2"/>
+                                            </p:txEl>
+                                          </p:spTgt>
+                                        </p:tgtEl>
+                                        <p:attrNameLst>
+                                          <p:attrName>ppt_x</p:attrName>
+                                        </p:attrNameLst>
+                                      </p:cBhvr>
+                                      <p:tavLst>
+                                        <p:tav tm="0">
+                                          <p:val>
+                                            <p:strVal val="#ppt_x"/>
+                                          </p:val>
+                                        </p:tav>
+                                        <p:tav tm="100000">
+                                          <p:val>
+                                            <p:strVal val="#ppt_x"/>
+                                          </p:val>
+                                        </p:tav>
+                                      </p:tavLst>
+                                    </p:anim>
+                                    <p:anim calcmode="lin" valueType="num">
+                                      <p:cBhvr additive="base">
+                                        <p:cTn id="20" dur="500" fill="hold"/>
+                                        <p:tgtEl>
+                                          <p:spTgt spid="3">
+                                            <p:txEl>
+                                              <p:pRg st="2" end="2"/>
+                                            </p:txEl>
+                                          </p:spTgt>
+                                        </p:tgtEl>
+                                        <p:attrNameLst>
+                                          <p:attrName>ppt_y</p:attrName>
+                                        </p:attrNameLst>
+                                      </p:cBhvr>
+                                      <p:tavLst>
+                                        <p:tav tm="0">
+                                          <p:val>
+                                            <p:strVal val="1+#ppt_h/2"/>
+                                          </p:val>
+                                        </p:tav>
+                                        <p:tav tm="100000">
+                                          <p:val>
+                                            <p:strVal val="#ppt_y"/>
+                                          </p:val>
+                                        </p:tav>
+                                      </p:tavLst>
+                                    </p:anim>
+                                  </p:childTnLst>
+                                </p:cTn>
+                              </p:par>
+                            </p:childTnLst>
+                          </p:cTn>
+                        </p:par>
+                      </p:childTnLst>
+                    </p:cTn>
+                  </p:par>
+                  <p:par>
+                    <p:cTn id="21" fill="hold">
+                      <p:stCondLst>
+                        <p:cond delay="indefinite"/>
+                      </p:stCondLst>
+                      <p:childTnLst>
+                        <p:par>
+                          <p:cTn id="22" fill="hold">
+                            <p:stCondLst>
+                              <p:cond delay="0"/>
+                            </p:stCondLst>
+                            <p:childTnLst>
+                              <p:par>
+                                <p:cTn id="23" presetID="2" presetClass="entr" presetSubtype="4" fill="hold" nodeType="clickEffect">
+                                  <p:stCondLst>
+                                    <p:cond delay="0"/>
+                                  </p:stCondLst>
+                                  <p:childTnLst>
+                                    <p:set>
+                                      <p:cBhvr>
+                                        <p:cTn id="24" dur="1" fill="hold">
+                                          <p:stCondLst>
+                                            <p:cond delay="0"/>
+                                          </p:stCondLst>
+                                        </p:cTn>
+                                        <p:tgtEl>
+                                          <p:spTgt spid="3">
+                                            <p:txEl>
+                                              <p:pRg st="3" end="3"/>
+                                            </p:txEl>
+                                          </p:spTgt>
+                                        </p:tgtEl>
+                                        <p:attrNameLst>
+                                          <p:attrName>style.visibility</p:attrName>
+                                        </p:attrNameLst>
+                                      </p:cBhvr>
+                                      <p:to>
+                                        <p:strVal val="visible"/>
+                                      </p:to>
+                                    </p:set>
+                                    <p:anim calcmode="lin" valueType="num">
+                                      <p:cBhvr additive="base">
+                                        <p:cTn id="25" dur="500" fill="hold"/>
+                                        <p:tgtEl>
+                                          <p:spTgt spid="3">
+                                            <p:txEl>
+                                              <p:pRg st="3" end="3"/>
+                                            </p:txEl>
+                                          </p:spTgt>
+                                        </p:tgtEl>
+                                        <p:attrNameLst>
+                                          <p:attrName>ppt_x</p:attrName>
+                                        </p:attrNameLst>
+                                      </p:cBhvr>
+                                      <p:tavLst>
+                                        <p:tav tm="0">
+                                          <p:val>
+                                            <p:strVal val="#ppt_x"/>
+                                          </p:val>
+                                        </p:tav>
+                                        <p:tav tm="100000">
+                                          <p:val>
+                                            <p:strVal val="#ppt_x"/>
+                                          </p:val>
+                                        </p:tav>
+                                      </p:tavLst>
+                                    </p:anim>
+                                    <p:anim calcmode="lin" valueType="num">
+                                      <p:cBhvr additive="base">
+                                        <p:cTn id="26" dur="500" fill="hold"/>
+                                        <p:tgtEl>
+                                          <p:spTgt spid="3">
+                                            <p:txEl>
+                                              <p:pRg st="3" end="3"/>
+                                            </p:txEl>
+                                          </p:spTgt>
+                                        </p:tgtEl>
+                                        <p:attrNameLst>
+                                          <p:attrName>ppt_y</p:attrName>
+                                        </p:attrNameLst>
+                                      </p:cBhvr>
+                                      <p:tavLst>
+                                        <p:tav tm="0">
+                                          <p:val>
+                                            <p:strVal val="1+#ppt_h/2"/>
+                                          </p:val>
+                                        </p:tav>
+                                        <p:tav tm="100000">
+                                          <p:val>
+                                            <p:strVal val="#ppt_y"/>
+                                          </p:val>
+                                        </p:tav>
+                                      </p:tavLst>
+                                    </p:anim>
+                                  </p:childTnLst>
+                                </p:cTn>
+                              </p:par>
+                            </p:childTnLst>
+                          </p:cTn>
+                        </p:par>
+                      </p:childTnLst>
+                    </p:cTn>
+                  </p:par>
+                </p:childTnLst>
+              </p:cTn>
+              <p:prevCondLst>
+                <p:cond evt="onPrev" delay="0">
+                  <p:tgtEl>
+                    <p:sldTgt/>
+                  </p:tgtEl>
+                </p:cond>
+              </p:prevCondLst>
+              <p:nextCondLst>
+                <p:cond evt="onNext" delay="0">
+                  <p:tgtEl>
+                    <p:sldTgt/>
+                  </p:tgtEl>
+                </p:cond>
+              </p:nextCondLst>
+            </p:seq>
+          </p:childTnLst>
+        </p:cTn>
       </p:par>
     </p:tnLst>
   </p:timing>
@@ -5731,7 +6403,339 @@
   <p:timing>
     <p:tnLst>
       <p:par>
-        <p:cTn id="1" dur="indefinite" restart="never" nodeType="tmRoot"/>
+        <p:cTn id="1" dur="indefinite" restart="never" nodeType="tmRoot">
+          <p:childTnLst>
+            <p:seq concurrent="1" nextAc="seek">
+              <p:cTn id="2" dur="indefinite" nodeType="mainSeq">
+                <p:childTnLst>
+                  <p:par>
+                    <p:cTn id="3" fill="hold">
+                      <p:stCondLst>
+                        <p:cond delay="indefinite"/>
+                      </p:stCondLst>
+                      <p:childTnLst>
+                        <p:par>
+                          <p:cTn id="4" fill="hold">
+                            <p:stCondLst>
+                              <p:cond delay="0"/>
+                            </p:stCondLst>
+                            <p:childTnLst>
+                              <p:par>
+                                <p:cTn id="5" presetID="2" presetClass="entr" presetSubtype="4" fill="hold" nodeType="clickEffect">
+                                  <p:stCondLst>
+                                    <p:cond delay="0"/>
+                                  </p:stCondLst>
+                                  <p:childTnLst>
+                                    <p:set>
+                                      <p:cBhvr>
+                                        <p:cTn id="6" dur="1" fill="hold">
+                                          <p:stCondLst>
+                                            <p:cond delay="0"/>
+                                          </p:stCondLst>
+                                        </p:cTn>
+                                        <p:tgtEl>
+                                          <p:spTgt spid="3">
+                                            <p:txEl>
+                                              <p:pRg st="0" end="0"/>
+                                            </p:txEl>
+                                          </p:spTgt>
+                                        </p:tgtEl>
+                                        <p:attrNameLst>
+                                          <p:attrName>style.visibility</p:attrName>
+                                        </p:attrNameLst>
+                                      </p:cBhvr>
+                                      <p:to>
+                                        <p:strVal val="visible"/>
+                                      </p:to>
+                                    </p:set>
+                                    <p:anim calcmode="lin" valueType="num">
+                                      <p:cBhvr additive="base">
+                                        <p:cTn id="7" dur="500" fill="hold"/>
+                                        <p:tgtEl>
+                                          <p:spTgt spid="3">
+                                            <p:txEl>
+                                              <p:pRg st="0" end="0"/>
+                                            </p:txEl>
+                                          </p:spTgt>
+                                        </p:tgtEl>
+                                        <p:attrNameLst>
+                                          <p:attrName>ppt_x</p:attrName>
+                                        </p:attrNameLst>
+                                      </p:cBhvr>
+                                      <p:tavLst>
+                                        <p:tav tm="0">
+                                          <p:val>
+                                            <p:strVal val="#ppt_x"/>
+                                          </p:val>
+                                        </p:tav>
+                                        <p:tav tm="100000">
+                                          <p:val>
+                                            <p:strVal val="#ppt_x"/>
+                                          </p:val>
+                                        </p:tav>
+                                      </p:tavLst>
+                                    </p:anim>
+                                    <p:anim calcmode="lin" valueType="num">
+                                      <p:cBhvr additive="base">
+                                        <p:cTn id="8" dur="500" fill="hold"/>
+                                        <p:tgtEl>
+                                          <p:spTgt spid="3">
+                                            <p:txEl>
+                                              <p:pRg st="0" end="0"/>
+                                            </p:txEl>
+                                          </p:spTgt>
+                                        </p:tgtEl>
+                                        <p:attrNameLst>
+                                          <p:attrName>ppt_y</p:attrName>
+                                        </p:attrNameLst>
+                                      </p:cBhvr>
+                                      <p:tavLst>
+                                        <p:tav tm="0">
+                                          <p:val>
+                                            <p:strVal val="1+#ppt_h/2"/>
+                                          </p:val>
+                                        </p:tav>
+                                        <p:tav tm="100000">
+                                          <p:val>
+                                            <p:strVal val="#ppt_y"/>
+                                          </p:val>
+                                        </p:tav>
+                                      </p:tavLst>
+                                    </p:anim>
+                                  </p:childTnLst>
+                                </p:cTn>
+                              </p:par>
+                            </p:childTnLst>
+                          </p:cTn>
+                        </p:par>
+                      </p:childTnLst>
+                    </p:cTn>
+                  </p:par>
+                  <p:par>
+                    <p:cTn id="9" fill="hold">
+                      <p:stCondLst>
+                        <p:cond delay="indefinite"/>
+                      </p:stCondLst>
+                      <p:childTnLst>
+                        <p:par>
+                          <p:cTn id="10" fill="hold">
+                            <p:stCondLst>
+                              <p:cond delay="0"/>
+                            </p:stCondLst>
+                            <p:childTnLst>
+                              <p:par>
+                                <p:cTn id="11" presetID="2" presetClass="entr" presetSubtype="4" fill="hold" nodeType="clickEffect">
+                                  <p:stCondLst>
+                                    <p:cond delay="0"/>
+                                  </p:stCondLst>
+                                  <p:childTnLst>
+                                    <p:set>
+                                      <p:cBhvr>
+                                        <p:cTn id="12" dur="1" fill="hold">
+                                          <p:stCondLst>
+                                            <p:cond delay="0"/>
+                                          </p:stCondLst>
+                                        </p:cTn>
+                                        <p:tgtEl>
+                                          <p:spTgt spid="3">
+                                            <p:txEl>
+                                              <p:pRg st="1" end="1"/>
+                                            </p:txEl>
+                                          </p:spTgt>
+                                        </p:tgtEl>
+                                        <p:attrNameLst>
+                                          <p:attrName>style.visibility</p:attrName>
+                                        </p:attrNameLst>
+                                      </p:cBhvr>
+                                      <p:to>
+                                        <p:strVal val="visible"/>
+                                      </p:to>
+                                    </p:set>
+                                    <p:anim calcmode="lin" valueType="num">
+                                      <p:cBhvr additive="base">
+                                        <p:cTn id="13" dur="500" fill="hold"/>
+                                        <p:tgtEl>
+                                          <p:spTgt spid="3">
+                                            <p:txEl>
+                                              <p:pRg st="1" end="1"/>
+                                            </p:txEl>
+                                          </p:spTgt>
+                                        </p:tgtEl>
+                                        <p:attrNameLst>
+                                          <p:attrName>ppt_x</p:attrName>
+                                        </p:attrNameLst>
+                                      </p:cBhvr>
+                                      <p:tavLst>
+                                        <p:tav tm="0">
+                                          <p:val>
+                                            <p:strVal val="#ppt_x"/>
+                                          </p:val>
+                                        </p:tav>
+                                        <p:tav tm="100000">
+                                          <p:val>
+                                            <p:strVal val="#ppt_x"/>
+                                          </p:val>
+                                        </p:tav>
+                                      </p:tavLst>
+                                    </p:anim>
+                                    <p:anim calcmode="lin" valueType="num">
+                                      <p:cBhvr additive="base">
+                                        <p:cTn id="14" dur="500" fill="hold"/>
+                                        <p:tgtEl>
+                                          <p:spTgt spid="3">
+                                            <p:txEl>
+                                              <p:pRg st="1" end="1"/>
+                                            </p:txEl>
+                                          </p:spTgt>
+                                        </p:tgtEl>
+                                        <p:attrNameLst>
+                                          <p:attrName>ppt_y</p:attrName>
+                                        </p:attrNameLst>
+                                      </p:cBhvr>
+                                      <p:tavLst>
+                                        <p:tav tm="0">
+                                          <p:val>
+                                            <p:strVal val="1+#ppt_h/2"/>
+                                          </p:val>
+                                        </p:tav>
+                                        <p:tav tm="100000">
+                                          <p:val>
+                                            <p:strVal val="#ppt_y"/>
+                                          </p:val>
+                                        </p:tav>
+                                      </p:tavLst>
+                                    </p:anim>
+                                  </p:childTnLst>
+                                </p:cTn>
+                              </p:par>
+                            </p:childTnLst>
+                          </p:cTn>
+                        </p:par>
+                      </p:childTnLst>
+                    </p:cTn>
+                  </p:par>
+                  <p:par>
+                    <p:cTn id="15" fill="hold">
+                      <p:stCondLst>
+                        <p:cond delay="indefinite"/>
+                      </p:stCondLst>
+                      <p:childTnLst>
+                        <p:par>
+                          <p:cTn id="16" fill="hold">
+                            <p:stCondLst>
+                              <p:cond delay="0"/>
+                            </p:stCondLst>
+                            <p:childTnLst>
+                              <p:par>
+                                <p:cTn id="17" presetID="2" presetClass="entr" presetSubtype="4" fill="hold" nodeType="clickEffect">
+                                  <p:stCondLst>
+                                    <p:cond delay="0"/>
+                                  </p:stCondLst>
+                                  <p:childTnLst>
+                                    <p:set>
+                                      <p:cBhvr>
+                                        <p:cTn id="18" dur="1" fill="hold">
+                                          <p:stCondLst>
+                                            <p:cond delay="0"/>
+                                          </p:stCondLst>
+                                        </p:cTn>
+                                        <p:tgtEl>
+                                          <p:spTgt spid="3">
+                                            <p:txEl>
+                                              <p:pRg st="2" end="2"/>
+                                            </p:txEl>
+                                          </p:spTgt>
+                                        </p:tgtEl>
+                                        <p:attrNameLst>
+                                          <p:attrName>style.visibility</p:attrName>
+                                        </p:attrNameLst>
+                                      </p:cBhvr>
+                                      <p:to>
+                                        <p:strVal val="visible"/>
+                                      </p:to>
+                                    </p:set>
+                                    <p:anim calcmode="lin" valueType="num">
+                                      <p:cBhvr additive="base">
+                                        <p:cTn id="19" dur="500" fill="hold"/>
+                                        <p:tgtEl>
+                                          <p:spTgt spid="3">
+                                            <p:txEl>
+                                              <p:pRg st="2" end="2"/>
+                                            </p:txEl>
+                                          </p:spTgt>
+                                        </p:tgtEl>
+                                        <p:attrNameLst>
+                                          <p:attrName>ppt_x</p:attrName>
+                                        </p:attrNameLst>
+                                      </p:cBhvr>
+                                      <p:tavLst>
+                                        <p:tav tm="0">
+                                          <p:val>
+                                            <p:strVal val="#ppt_x"/>
+                                          </p:val>
+                                        </p:tav>
+                                        <p:tav tm="100000">
+                                          <p:val>
+                                            <p:strVal val="#ppt_x"/>
+                                          </p:val>
+                                        </p:tav>
+                                      </p:tavLst>
+                                    </p:anim>
+                                    <p:anim calcmode="lin" valueType="num">
+                                      <p:cBhvr additive="base">
+                                        <p:cTn id="20" dur="500" fill="hold"/>
+                                        <p:tgtEl>
+                                          <p:spTgt spid="3">
+                                            <p:txEl>
+                                              <p:pRg st="2" end="2"/>
+                                            </p:txEl>
+                                          </p:spTgt>
+                                        </p:tgtEl>
+                                        <p:attrNameLst>
+                                          <p:attrName>ppt_y</p:attrName>
+                                        </p:attrNameLst>
+                                      </p:cBhvr>
+                                      <p:tavLst>
+                                        <p:tav tm="0">
+                                          <p:val>
+                                            <p:strVal val="1+#ppt_h/2"/>
+                                          </p:val>
+                                        </p:tav>
+                                        <p:tav tm="100000">
+                                          <p:val>
+                                            <p:strVal val="#ppt_y"/>
+                                          </p:val>
+                                        </p:tav>
+                                      </p:tavLst>
+                                    </p:anim>
+                                  </p:childTnLst>
+                                </p:cTn>
+                              </p:par>
+                            </p:childTnLst>
+                          </p:cTn>
+                        </p:par>
+                      </p:childTnLst>
+                    </p:cTn>
+                  </p:par>
+                </p:childTnLst>
+              </p:cTn>
+              <p:prevCondLst>
+                <p:cond evt="onPrev" delay="0">
+                  <p:tgtEl>
+                    <p:sldTgt/>
+                  </p:tgtEl>
+                </p:cond>
+              </p:prevCondLst>
+              <p:nextCondLst>
+                <p:cond evt="onNext" delay="0">
+                  <p:tgtEl>
+                    <p:sldTgt/>
+                  </p:tgtEl>
+                </p:cond>
+              </p:nextCondLst>
+            </p:seq>
+          </p:childTnLst>
+        </p:cTn>
       </p:par>
     </p:tnLst>
   </p:timing>
@@ -5863,7 +6867,442 @@
   <p:timing>
     <p:tnLst>
       <p:par>
-        <p:cTn id="1" dur="indefinite" restart="never" nodeType="tmRoot"/>
+        <p:cTn id="1" dur="indefinite" restart="never" nodeType="tmRoot">
+          <p:childTnLst>
+            <p:seq concurrent="1" nextAc="seek">
+              <p:cTn id="2" dur="indefinite" nodeType="mainSeq">
+                <p:childTnLst>
+                  <p:par>
+                    <p:cTn id="3" fill="hold">
+                      <p:stCondLst>
+                        <p:cond delay="indefinite"/>
+                      </p:stCondLst>
+                      <p:childTnLst>
+                        <p:par>
+                          <p:cTn id="4" fill="hold">
+                            <p:stCondLst>
+                              <p:cond delay="0"/>
+                            </p:stCondLst>
+                            <p:childTnLst>
+                              <p:par>
+                                <p:cTn id="5" presetID="2" presetClass="entr" presetSubtype="4" fill="hold" nodeType="clickEffect">
+                                  <p:stCondLst>
+                                    <p:cond delay="0"/>
+                                  </p:stCondLst>
+                                  <p:childTnLst>
+                                    <p:set>
+                                      <p:cBhvr>
+                                        <p:cTn id="6" dur="1" fill="hold">
+                                          <p:stCondLst>
+                                            <p:cond delay="0"/>
+                                          </p:stCondLst>
+                                        </p:cTn>
+                                        <p:tgtEl>
+                                          <p:spTgt spid="3">
+                                            <p:txEl>
+                                              <p:pRg st="0" end="0"/>
+                                            </p:txEl>
+                                          </p:spTgt>
+                                        </p:tgtEl>
+                                        <p:attrNameLst>
+                                          <p:attrName>style.visibility</p:attrName>
+                                        </p:attrNameLst>
+                                      </p:cBhvr>
+                                      <p:to>
+                                        <p:strVal val="visible"/>
+                                      </p:to>
+                                    </p:set>
+                                    <p:anim calcmode="lin" valueType="num">
+                                      <p:cBhvr additive="base">
+                                        <p:cTn id="7" dur="500" fill="hold"/>
+                                        <p:tgtEl>
+                                          <p:spTgt spid="3">
+                                            <p:txEl>
+                                              <p:pRg st="0" end="0"/>
+                                            </p:txEl>
+                                          </p:spTgt>
+                                        </p:tgtEl>
+                                        <p:attrNameLst>
+                                          <p:attrName>ppt_x</p:attrName>
+                                        </p:attrNameLst>
+                                      </p:cBhvr>
+                                      <p:tavLst>
+                                        <p:tav tm="0">
+                                          <p:val>
+                                            <p:strVal val="#ppt_x"/>
+                                          </p:val>
+                                        </p:tav>
+                                        <p:tav tm="100000">
+                                          <p:val>
+                                            <p:strVal val="#ppt_x"/>
+                                          </p:val>
+                                        </p:tav>
+                                      </p:tavLst>
+                                    </p:anim>
+                                    <p:anim calcmode="lin" valueType="num">
+                                      <p:cBhvr additive="base">
+                                        <p:cTn id="8" dur="500" fill="hold"/>
+                                        <p:tgtEl>
+                                          <p:spTgt spid="3">
+                                            <p:txEl>
+                                              <p:pRg st="0" end="0"/>
+                                            </p:txEl>
+                                          </p:spTgt>
+                                        </p:tgtEl>
+                                        <p:attrNameLst>
+                                          <p:attrName>ppt_y</p:attrName>
+                                        </p:attrNameLst>
+                                      </p:cBhvr>
+                                      <p:tavLst>
+                                        <p:tav tm="0">
+                                          <p:val>
+                                            <p:strVal val="1+#ppt_h/2"/>
+                                          </p:val>
+                                        </p:tav>
+                                        <p:tav tm="100000">
+                                          <p:val>
+                                            <p:strVal val="#ppt_y"/>
+                                          </p:val>
+                                        </p:tav>
+                                      </p:tavLst>
+                                    </p:anim>
+                                  </p:childTnLst>
+                                </p:cTn>
+                              </p:par>
+                            </p:childTnLst>
+                          </p:cTn>
+                        </p:par>
+                      </p:childTnLst>
+                    </p:cTn>
+                  </p:par>
+                  <p:par>
+                    <p:cTn id="9" fill="hold">
+                      <p:stCondLst>
+                        <p:cond delay="indefinite"/>
+                      </p:stCondLst>
+                      <p:childTnLst>
+                        <p:par>
+                          <p:cTn id="10" fill="hold">
+                            <p:stCondLst>
+                              <p:cond delay="0"/>
+                            </p:stCondLst>
+                            <p:childTnLst>
+                              <p:par>
+                                <p:cTn id="11" presetID="2" presetClass="entr" presetSubtype="4" fill="hold" nodeType="clickEffect">
+                                  <p:stCondLst>
+                                    <p:cond delay="0"/>
+                                  </p:stCondLst>
+                                  <p:childTnLst>
+                                    <p:set>
+                                      <p:cBhvr>
+                                        <p:cTn id="12" dur="1" fill="hold">
+                                          <p:stCondLst>
+                                            <p:cond delay="0"/>
+                                          </p:stCondLst>
+                                        </p:cTn>
+                                        <p:tgtEl>
+                                          <p:spTgt spid="3">
+                                            <p:txEl>
+                                              <p:pRg st="1" end="1"/>
+                                            </p:txEl>
+                                          </p:spTgt>
+                                        </p:tgtEl>
+                                        <p:attrNameLst>
+                                          <p:attrName>style.visibility</p:attrName>
+                                        </p:attrNameLst>
+                                      </p:cBhvr>
+                                      <p:to>
+                                        <p:strVal val="visible"/>
+                                      </p:to>
+                                    </p:set>
+                                    <p:anim calcmode="lin" valueType="num">
+                                      <p:cBhvr additive="base">
+                                        <p:cTn id="13" dur="500" fill="hold"/>
+                                        <p:tgtEl>
+                                          <p:spTgt spid="3">
+                                            <p:txEl>
+                                              <p:pRg st="1" end="1"/>
+                                            </p:txEl>
+                                          </p:spTgt>
+                                        </p:tgtEl>
+                                        <p:attrNameLst>
+                                          <p:attrName>ppt_x</p:attrName>
+                                        </p:attrNameLst>
+                                      </p:cBhvr>
+                                      <p:tavLst>
+                                        <p:tav tm="0">
+                                          <p:val>
+                                            <p:strVal val="#ppt_x"/>
+                                          </p:val>
+                                        </p:tav>
+                                        <p:tav tm="100000">
+                                          <p:val>
+                                            <p:strVal val="#ppt_x"/>
+                                          </p:val>
+                                        </p:tav>
+                                      </p:tavLst>
+                                    </p:anim>
+                                    <p:anim calcmode="lin" valueType="num">
+                                      <p:cBhvr additive="base">
+                                        <p:cTn id="14" dur="500" fill="hold"/>
+                                        <p:tgtEl>
+                                          <p:spTgt spid="3">
+                                            <p:txEl>
+                                              <p:pRg st="1" end="1"/>
+                                            </p:txEl>
+                                          </p:spTgt>
+                                        </p:tgtEl>
+                                        <p:attrNameLst>
+                                          <p:attrName>ppt_y</p:attrName>
+                                        </p:attrNameLst>
+                                      </p:cBhvr>
+                                      <p:tavLst>
+                                        <p:tav tm="0">
+                                          <p:val>
+                                            <p:strVal val="1+#ppt_h/2"/>
+                                          </p:val>
+                                        </p:tav>
+                                        <p:tav tm="100000">
+                                          <p:val>
+                                            <p:strVal val="#ppt_y"/>
+                                          </p:val>
+                                        </p:tav>
+                                      </p:tavLst>
+                                    </p:anim>
+                                  </p:childTnLst>
+                                </p:cTn>
+                              </p:par>
+                            </p:childTnLst>
+                          </p:cTn>
+                        </p:par>
+                      </p:childTnLst>
+                    </p:cTn>
+                  </p:par>
+                  <p:par>
+                    <p:cTn id="15" fill="hold">
+                      <p:stCondLst>
+                        <p:cond delay="indefinite"/>
+                      </p:stCondLst>
+                      <p:childTnLst>
+                        <p:par>
+                          <p:cTn id="16" fill="hold">
+                            <p:stCondLst>
+                              <p:cond delay="0"/>
+                            </p:stCondLst>
+                            <p:childTnLst>
+                              <p:par>
+                                <p:cTn id="17" presetID="2" presetClass="entr" presetSubtype="4" fill="hold" nodeType="clickEffect">
+                                  <p:stCondLst>
+                                    <p:cond delay="0"/>
+                                  </p:stCondLst>
+                                  <p:childTnLst>
+                                    <p:set>
+                                      <p:cBhvr>
+                                        <p:cTn id="18" dur="1" fill="hold">
+                                          <p:stCondLst>
+                                            <p:cond delay="0"/>
+                                          </p:stCondLst>
+                                        </p:cTn>
+                                        <p:tgtEl>
+                                          <p:spTgt spid="3">
+                                            <p:txEl>
+                                              <p:pRg st="2" end="2"/>
+                                            </p:txEl>
+                                          </p:spTgt>
+                                        </p:tgtEl>
+                                        <p:attrNameLst>
+                                          <p:attrName>style.visibility</p:attrName>
+                                        </p:attrNameLst>
+                                      </p:cBhvr>
+                                      <p:to>
+                                        <p:strVal val="visible"/>
+                                      </p:to>
+                                    </p:set>
+                                    <p:anim calcmode="lin" valueType="num">
+                                      <p:cBhvr additive="base">
+                                        <p:cTn id="19" dur="500" fill="hold"/>
+                                        <p:tgtEl>
+                                          <p:spTgt spid="3">
+                                            <p:txEl>
+                                              <p:pRg st="2" end="2"/>
+                                            </p:txEl>
+                                          </p:spTgt>
+                                        </p:tgtEl>
+                                        <p:attrNameLst>
+                                          <p:attrName>ppt_x</p:attrName>
+                                        </p:attrNameLst>
+                                      </p:cBhvr>
+                                      <p:tavLst>
+                                        <p:tav tm="0">
+                                          <p:val>
+                                            <p:strVal val="#ppt_x"/>
+                                          </p:val>
+                                        </p:tav>
+                                        <p:tav tm="100000">
+                                          <p:val>
+                                            <p:strVal val="#ppt_x"/>
+                                          </p:val>
+                                        </p:tav>
+                                      </p:tavLst>
+                                    </p:anim>
+                                    <p:anim calcmode="lin" valueType="num">
+                                      <p:cBhvr additive="base">
+                                        <p:cTn id="20" dur="500" fill="hold"/>
+                                        <p:tgtEl>
+                                          <p:spTgt spid="3">
+                                            <p:txEl>
+                                              <p:pRg st="2" end="2"/>
+                                            </p:txEl>
+                                          </p:spTgt>
+                                        </p:tgtEl>
+                                        <p:attrNameLst>
+                                          <p:attrName>ppt_y</p:attrName>
+                                        </p:attrNameLst>
+                                      </p:cBhvr>
+                                      <p:tavLst>
+                                        <p:tav tm="0">
+                                          <p:val>
+                                            <p:strVal val="1+#ppt_h/2"/>
+                                          </p:val>
+                                        </p:tav>
+                                        <p:tav tm="100000">
+                                          <p:val>
+                                            <p:strVal val="#ppt_y"/>
+                                          </p:val>
+                                        </p:tav>
+                                      </p:tavLst>
+                                    </p:anim>
+                                  </p:childTnLst>
+                                </p:cTn>
+                              </p:par>
+                            </p:childTnLst>
+                          </p:cTn>
+                        </p:par>
+                      </p:childTnLst>
+                    </p:cTn>
+                  </p:par>
+                  <p:par>
+                    <p:cTn id="21" fill="hold">
+                      <p:stCondLst>
+                        <p:cond delay="indefinite"/>
+                      </p:stCondLst>
+                      <p:childTnLst>
+                        <p:par>
+                          <p:cTn id="22" fill="hold">
+                            <p:stCondLst>
+                              <p:cond delay="0"/>
+                            </p:stCondLst>
+                            <p:childTnLst>
+                              <p:par>
+                                <p:cTn id="23" presetID="2" presetClass="entr" presetSubtype="4" fill="hold" nodeType="clickEffect">
+                                  <p:stCondLst>
+                                    <p:cond delay="0"/>
+                                  </p:stCondLst>
+                                  <p:childTnLst>
+                                    <p:set>
+                                      <p:cBhvr>
+                                        <p:cTn id="24" dur="1" fill="hold">
+                                          <p:stCondLst>
+                                            <p:cond delay="0"/>
+                                          </p:stCondLst>
+                                        </p:cTn>
+                                        <p:tgtEl>
+                                          <p:spTgt spid="3">
+                                            <p:txEl>
+                                              <p:pRg st="3" end="3"/>
+                                            </p:txEl>
+                                          </p:spTgt>
+                                        </p:tgtEl>
+                                        <p:attrNameLst>
+                                          <p:attrName>style.visibility</p:attrName>
+                                        </p:attrNameLst>
+                                      </p:cBhvr>
+                                      <p:to>
+                                        <p:strVal val="visible"/>
+                                      </p:to>
+                                    </p:set>
+                                    <p:anim calcmode="lin" valueType="num">
+                                      <p:cBhvr additive="base">
+                                        <p:cTn id="25" dur="500" fill="hold"/>
+                                        <p:tgtEl>
+                                          <p:spTgt spid="3">
+                                            <p:txEl>
+                                              <p:pRg st="3" end="3"/>
+                                            </p:txEl>
+                                          </p:spTgt>
+                                        </p:tgtEl>
+                                        <p:attrNameLst>
+                                          <p:attrName>ppt_x</p:attrName>
+                                        </p:attrNameLst>
+                                      </p:cBhvr>
+                                      <p:tavLst>
+                                        <p:tav tm="0">
+                                          <p:val>
+                                            <p:strVal val="#ppt_x"/>
+                                          </p:val>
+                                        </p:tav>
+                                        <p:tav tm="100000">
+                                          <p:val>
+                                            <p:strVal val="#ppt_x"/>
+                                          </p:val>
+                                        </p:tav>
+                                      </p:tavLst>
+                                    </p:anim>
+                                    <p:anim calcmode="lin" valueType="num">
+                                      <p:cBhvr additive="base">
+                                        <p:cTn id="26" dur="500" fill="hold"/>
+                                        <p:tgtEl>
+                                          <p:spTgt spid="3">
+                                            <p:txEl>
+                                              <p:pRg st="3" end="3"/>
+                                            </p:txEl>
+                                          </p:spTgt>
+                                        </p:tgtEl>
+                                        <p:attrNameLst>
+                                          <p:attrName>ppt_y</p:attrName>
+                                        </p:attrNameLst>
+                                      </p:cBhvr>
+                                      <p:tavLst>
+                                        <p:tav tm="0">
+                                          <p:val>
+                                            <p:strVal val="1+#ppt_h/2"/>
+                                          </p:val>
+                                        </p:tav>
+                                        <p:tav tm="100000">
+                                          <p:val>
+                                            <p:strVal val="#ppt_y"/>
+                                          </p:val>
+                                        </p:tav>
+                                      </p:tavLst>
+                                    </p:anim>
+                                  </p:childTnLst>
+                                </p:cTn>
+                              </p:par>
+                            </p:childTnLst>
+                          </p:cTn>
+                        </p:par>
+                      </p:childTnLst>
+                    </p:cTn>
+                  </p:par>
+                </p:childTnLst>
+              </p:cTn>
+              <p:prevCondLst>
+                <p:cond evt="onPrev" delay="0">
+                  <p:tgtEl>
+                    <p:sldTgt/>
+                  </p:tgtEl>
+                </p:cond>
+              </p:prevCondLst>
+              <p:nextCondLst>
+                <p:cond evt="onNext" delay="0">
+                  <p:tgtEl>
+                    <p:sldTgt/>
+                  </p:tgtEl>
+                </p:cond>
+              </p:nextCondLst>
+            </p:seq>
+          </p:childTnLst>
+        </p:cTn>
       </p:par>
     </p:tnLst>
   </p:timing>
@@ -5994,7 +7433,442 @@
   <p:timing>
     <p:tnLst>
       <p:par>
-        <p:cTn id="1" dur="indefinite" restart="never" nodeType="tmRoot"/>
+        <p:cTn id="1" dur="indefinite" restart="never" nodeType="tmRoot">
+          <p:childTnLst>
+            <p:seq concurrent="1" nextAc="seek">
+              <p:cTn id="2" dur="indefinite" nodeType="mainSeq">
+                <p:childTnLst>
+                  <p:par>
+                    <p:cTn id="3" fill="hold">
+                      <p:stCondLst>
+                        <p:cond delay="indefinite"/>
+                      </p:stCondLst>
+                      <p:childTnLst>
+                        <p:par>
+                          <p:cTn id="4" fill="hold">
+                            <p:stCondLst>
+                              <p:cond delay="0"/>
+                            </p:stCondLst>
+                            <p:childTnLst>
+                              <p:par>
+                                <p:cTn id="5" presetID="2" presetClass="entr" presetSubtype="4" fill="hold" nodeType="clickEffect">
+                                  <p:stCondLst>
+                                    <p:cond delay="0"/>
+                                  </p:stCondLst>
+                                  <p:childTnLst>
+                                    <p:set>
+                                      <p:cBhvr>
+                                        <p:cTn id="6" dur="1" fill="hold">
+                                          <p:stCondLst>
+                                            <p:cond delay="0"/>
+                                          </p:stCondLst>
+                                        </p:cTn>
+                                        <p:tgtEl>
+                                          <p:spTgt spid="3">
+                                            <p:txEl>
+                                              <p:pRg st="0" end="0"/>
+                                            </p:txEl>
+                                          </p:spTgt>
+                                        </p:tgtEl>
+                                        <p:attrNameLst>
+                                          <p:attrName>style.visibility</p:attrName>
+                                        </p:attrNameLst>
+                                      </p:cBhvr>
+                                      <p:to>
+                                        <p:strVal val="visible"/>
+                                      </p:to>
+                                    </p:set>
+                                    <p:anim calcmode="lin" valueType="num">
+                                      <p:cBhvr additive="base">
+                                        <p:cTn id="7" dur="500" fill="hold"/>
+                                        <p:tgtEl>
+                                          <p:spTgt spid="3">
+                                            <p:txEl>
+                                              <p:pRg st="0" end="0"/>
+                                            </p:txEl>
+                                          </p:spTgt>
+                                        </p:tgtEl>
+                                        <p:attrNameLst>
+                                          <p:attrName>ppt_x</p:attrName>
+                                        </p:attrNameLst>
+                                      </p:cBhvr>
+                                      <p:tavLst>
+                                        <p:tav tm="0">
+                                          <p:val>
+                                            <p:strVal val="#ppt_x"/>
+                                          </p:val>
+                                        </p:tav>
+                                        <p:tav tm="100000">
+                                          <p:val>
+                                            <p:strVal val="#ppt_x"/>
+                                          </p:val>
+                                        </p:tav>
+                                      </p:tavLst>
+                                    </p:anim>
+                                    <p:anim calcmode="lin" valueType="num">
+                                      <p:cBhvr additive="base">
+                                        <p:cTn id="8" dur="500" fill="hold"/>
+                                        <p:tgtEl>
+                                          <p:spTgt spid="3">
+                                            <p:txEl>
+                                              <p:pRg st="0" end="0"/>
+                                            </p:txEl>
+                                          </p:spTgt>
+                                        </p:tgtEl>
+                                        <p:attrNameLst>
+                                          <p:attrName>ppt_y</p:attrName>
+                                        </p:attrNameLst>
+                                      </p:cBhvr>
+                                      <p:tavLst>
+                                        <p:tav tm="0">
+                                          <p:val>
+                                            <p:strVal val="1+#ppt_h/2"/>
+                                          </p:val>
+                                        </p:tav>
+                                        <p:tav tm="100000">
+                                          <p:val>
+                                            <p:strVal val="#ppt_y"/>
+                                          </p:val>
+                                        </p:tav>
+                                      </p:tavLst>
+                                    </p:anim>
+                                  </p:childTnLst>
+                                </p:cTn>
+                              </p:par>
+                            </p:childTnLst>
+                          </p:cTn>
+                        </p:par>
+                      </p:childTnLst>
+                    </p:cTn>
+                  </p:par>
+                  <p:par>
+                    <p:cTn id="9" fill="hold">
+                      <p:stCondLst>
+                        <p:cond delay="indefinite"/>
+                      </p:stCondLst>
+                      <p:childTnLst>
+                        <p:par>
+                          <p:cTn id="10" fill="hold">
+                            <p:stCondLst>
+                              <p:cond delay="0"/>
+                            </p:stCondLst>
+                            <p:childTnLst>
+                              <p:par>
+                                <p:cTn id="11" presetID="2" presetClass="entr" presetSubtype="4" fill="hold" nodeType="clickEffect">
+                                  <p:stCondLst>
+                                    <p:cond delay="0"/>
+                                  </p:stCondLst>
+                                  <p:childTnLst>
+                                    <p:set>
+                                      <p:cBhvr>
+                                        <p:cTn id="12" dur="1" fill="hold">
+                                          <p:stCondLst>
+                                            <p:cond delay="0"/>
+                                          </p:stCondLst>
+                                        </p:cTn>
+                                        <p:tgtEl>
+                                          <p:spTgt spid="3">
+                                            <p:txEl>
+                                              <p:pRg st="1" end="1"/>
+                                            </p:txEl>
+                                          </p:spTgt>
+                                        </p:tgtEl>
+                                        <p:attrNameLst>
+                                          <p:attrName>style.visibility</p:attrName>
+                                        </p:attrNameLst>
+                                      </p:cBhvr>
+                                      <p:to>
+                                        <p:strVal val="visible"/>
+                                      </p:to>
+                                    </p:set>
+                                    <p:anim calcmode="lin" valueType="num">
+                                      <p:cBhvr additive="base">
+                                        <p:cTn id="13" dur="500" fill="hold"/>
+                                        <p:tgtEl>
+                                          <p:spTgt spid="3">
+                                            <p:txEl>
+                                              <p:pRg st="1" end="1"/>
+                                            </p:txEl>
+                                          </p:spTgt>
+                                        </p:tgtEl>
+                                        <p:attrNameLst>
+                                          <p:attrName>ppt_x</p:attrName>
+                                        </p:attrNameLst>
+                                      </p:cBhvr>
+                                      <p:tavLst>
+                                        <p:tav tm="0">
+                                          <p:val>
+                                            <p:strVal val="#ppt_x"/>
+                                          </p:val>
+                                        </p:tav>
+                                        <p:tav tm="100000">
+                                          <p:val>
+                                            <p:strVal val="#ppt_x"/>
+                                          </p:val>
+                                        </p:tav>
+                                      </p:tavLst>
+                                    </p:anim>
+                                    <p:anim calcmode="lin" valueType="num">
+                                      <p:cBhvr additive="base">
+                                        <p:cTn id="14" dur="500" fill="hold"/>
+                                        <p:tgtEl>
+                                          <p:spTgt spid="3">
+                                            <p:txEl>
+                                              <p:pRg st="1" end="1"/>
+                                            </p:txEl>
+                                          </p:spTgt>
+                                        </p:tgtEl>
+                                        <p:attrNameLst>
+                                          <p:attrName>ppt_y</p:attrName>
+                                        </p:attrNameLst>
+                                      </p:cBhvr>
+                                      <p:tavLst>
+                                        <p:tav tm="0">
+                                          <p:val>
+                                            <p:strVal val="1+#ppt_h/2"/>
+                                          </p:val>
+                                        </p:tav>
+                                        <p:tav tm="100000">
+                                          <p:val>
+                                            <p:strVal val="#ppt_y"/>
+                                          </p:val>
+                                        </p:tav>
+                                      </p:tavLst>
+                                    </p:anim>
+                                  </p:childTnLst>
+                                </p:cTn>
+                              </p:par>
+                            </p:childTnLst>
+                          </p:cTn>
+                        </p:par>
+                      </p:childTnLst>
+                    </p:cTn>
+                  </p:par>
+                  <p:par>
+                    <p:cTn id="15" fill="hold">
+                      <p:stCondLst>
+                        <p:cond delay="indefinite"/>
+                      </p:stCondLst>
+                      <p:childTnLst>
+                        <p:par>
+                          <p:cTn id="16" fill="hold">
+                            <p:stCondLst>
+                              <p:cond delay="0"/>
+                            </p:stCondLst>
+                            <p:childTnLst>
+                              <p:par>
+                                <p:cTn id="17" presetID="2" presetClass="entr" presetSubtype="4" fill="hold" nodeType="clickEffect">
+                                  <p:stCondLst>
+                                    <p:cond delay="0"/>
+                                  </p:stCondLst>
+                                  <p:childTnLst>
+                                    <p:set>
+                                      <p:cBhvr>
+                                        <p:cTn id="18" dur="1" fill="hold">
+                                          <p:stCondLst>
+                                            <p:cond delay="0"/>
+                                          </p:stCondLst>
+                                        </p:cTn>
+                                        <p:tgtEl>
+                                          <p:spTgt spid="3">
+                                            <p:txEl>
+                                              <p:pRg st="2" end="2"/>
+                                            </p:txEl>
+                                          </p:spTgt>
+                                        </p:tgtEl>
+                                        <p:attrNameLst>
+                                          <p:attrName>style.visibility</p:attrName>
+                                        </p:attrNameLst>
+                                      </p:cBhvr>
+                                      <p:to>
+                                        <p:strVal val="visible"/>
+                                      </p:to>
+                                    </p:set>
+                                    <p:anim calcmode="lin" valueType="num">
+                                      <p:cBhvr additive="base">
+                                        <p:cTn id="19" dur="500" fill="hold"/>
+                                        <p:tgtEl>
+                                          <p:spTgt spid="3">
+                                            <p:txEl>
+                                              <p:pRg st="2" end="2"/>
+                                            </p:txEl>
+                                          </p:spTgt>
+                                        </p:tgtEl>
+                                        <p:attrNameLst>
+                                          <p:attrName>ppt_x</p:attrName>
+                                        </p:attrNameLst>
+                                      </p:cBhvr>
+                                      <p:tavLst>
+                                        <p:tav tm="0">
+                                          <p:val>
+                                            <p:strVal val="#ppt_x"/>
+                                          </p:val>
+                                        </p:tav>
+                                        <p:tav tm="100000">
+                                          <p:val>
+                                            <p:strVal val="#ppt_x"/>
+                                          </p:val>
+                                        </p:tav>
+                                      </p:tavLst>
+                                    </p:anim>
+                                    <p:anim calcmode="lin" valueType="num">
+                                      <p:cBhvr additive="base">
+                                        <p:cTn id="20" dur="500" fill="hold"/>
+                                        <p:tgtEl>
+                                          <p:spTgt spid="3">
+                                            <p:txEl>
+                                              <p:pRg st="2" end="2"/>
+                                            </p:txEl>
+                                          </p:spTgt>
+                                        </p:tgtEl>
+                                        <p:attrNameLst>
+                                          <p:attrName>ppt_y</p:attrName>
+                                        </p:attrNameLst>
+                                      </p:cBhvr>
+                                      <p:tavLst>
+                                        <p:tav tm="0">
+                                          <p:val>
+                                            <p:strVal val="1+#ppt_h/2"/>
+                                          </p:val>
+                                        </p:tav>
+                                        <p:tav tm="100000">
+                                          <p:val>
+                                            <p:strVal val="#ppt_y"/>
+                                          </p:val>
+                                        </p:tav>
+                                      </p:tavLst>
+                                    </p:anim>
+                                  </p:childTnLst>
+                                </p:cTn>
+                              </p:par>
+                            </p:childTnLst>
+                          </p:cTn>
+                        </p:par>
+                      </p:childTnLst>
+                    </p:cTn>
+                  </p:par>
+                  <p:par>
+                    <p:cTn id="21" fill="hold">
+                      <p:stCondLst>
+                        <p:cond delay="indefinite"/>
+                      </p:stCondLst>
+                      <p:childTnLst>
+                        <p:par>
+                          <p:cTn id="22" fill="hold">
+                            <p:stCondLst>
+                              <p:cond delay="0"/>
+                            </p:stCondLst>
+                            <p:childTnLst>
+                              <p:par>
+                                <p:cTn id="23" presetID="2" presetClass="entr" presetSubtype="4" fill="hold" nodeType="clickEffect">
+                                  <p:stCondLst>
+                                    <p:cond delay="0"/>
+                                  </p:stCondLst>
+                                  <p:childTnLst>
+                                    <p:set>
+                                      <p:cBhvr>
+                                        <p:cTn id="24" dur="1" fill="hold">
+                                          <p:stCondLst>
+                                            <p:cond delay="0"/>
+                                          </p:stCondLst>
+                                        </p:cTn>
+                                        <p:tgtEl>
+                                          <p:spTgt spid="3">
+                                            <p:txEl>
+                                              <p:pRg st="3" end="3"/>
+                                            </p:txEl>
+                                          </p:spTgt>
+                                        </p:tgtEl>
+                                        <p:attrNameLst>
+                                          <p:attrName>style.visibility</p:attrName>
+                                        </p:attrNameLst>
+                                      </p:cBhvr>
+                                      <p:to>
+                                        <p:strVal val="visible"/>
+                                      </p:to>
+                                    </p:set>
+                                    <p:anim calcmode="lin" valueType="num">
+                                      <p:cBhvr additive="base">
+                                        <p:cTn id="25" dur="500" fill="hold"/>
+                                        <p:tgtEl>
+                                          <p:spTgt spid="3">
+                                            <p:txEl>
+                                              <p:pRg st="3" end="3"/>
+                                            </p:txEl>
+                                          </p:spTgt>
+                                        </p:tgtEl>
+                                        <p:attrNameLst>
+                                          <p:attrName>ppt_x</p:attrName>
+                                        </p:attrNameLst>
+                                      </p:cBhvr>
+                                      <p:tavLst>
+                                        <p:tav tm="0">
+                                          <p:val>
+                                            <p:strVal val="#ppt_x"/>
+                                          </p:val>
+                                        </p:tav>
+                                        <p:tav tm="100000">
+                                          <p:val>
+                                            <p:strVal val="#ppt_x"/>
+                                          </p:val>
+                                        </p:tav>
+                                      </p:tavLst>
+                                    </p:anim>
+                                    <p:anim calcmode="lin" valueType="num">
+                                      <p:cBhvr additive="base">
+                                        <p:cTn id="26" dur="500" fill="hold"/>
+                                        <p:tgtEl>
+                                          <p:spTgt spid="3">
+                                            <p:txEl>
+                                              <p:pRg st="3" end="3"/>
+                                            </p:txEl>
+                                          </p:spTgt>
+                                        </p:tgtEl>
+                                        <p:attrNameLst>
+                                          <p:attrName>ppt_y</p:attrName>
+                                        </p:attrNameLst>
+                                      </p:cBhvr>
+                                      <p:tavLst>
+                                        <p:tav tm="0">
+                                          <p:val>
+                                            <p:strVal val="1+#ppt_h/2"/>
+                                          </p:val>
+                                        </p:tav>
+                                        <p:tav tm="100000">
+                                          <p:val>
+                                            <p:strVal val="#ppt_y"/>
+                                          </p:val>
+                                        </p:tav>
+                                      </p:tavLst>
+                                    </p:anim>
+                                  </p:childTnLst>
+                                </p:cTn>
+                              </p:par>
+                            </p:childTnLst>
+                          </p:cTn>
+                        </p:par>
+                      </p:childTnLst>
+                    </p:cTn>
+                  </p:par>
+                </p:childTnLst>
+              </p:cTn>
+              <p:prevCondLst>
+                <p:cond evt="onPrev" delay="0">
+                  <p:tgtEl>
+                    <p:sldTgt/>
+                  </p:tgtEl>
+                </p:cond>
+              </p:prevCondLst>
+              <p:nextCondLst>
+                <p:cond evt="onNext" delay="0">
+                  <p:tgtEl>
+                    <p:sldTgt/>
+                  </p:tgtEl>
+                </p:cond>
+              </p:nextCondLst>
+            </p:seq>
+          </p:childTnLst>
+        </p:cTn>
       </p:par>
     </p:tnLst>
   </p:timing>
@@ -6060,7 +7934,11 @@
           <a:p>
             <a:r>
               <a:rPr lang="zh-CN" altLang="en-US" dirty="0" smtClean="0"/>
-              <a:t>旅游测试主要关心的是快速访问软件的各种功能，其目的只是为了到此一游。主要包括以下测试法：</a:t>
+              <a:t>旅游区测试</a:t>
+            </a:r>
+            <a:r>
+              <a:rPr lang="zh-CN" altLang="en-US" dirty="0" smtClean="0"/>
+              <a:t>主要关心的是快速访问软件的各种功能，其目的只是为了到此一游。主要包括以下测试法：</a:t>
             </a:r>
           </a:p>
           <a:p>
@@ -6141,7 +8019,545 @@
   <p:timing>
     <p:tnLst>
       <p:par>
-        <p:cTn id="1" dur="indefinite" restart="never" nodeType="tmRoot"/>
+        <p:cTn id="1" dur="indefinite" restart="never" nodeType="tmRoot">
+          <p:childTnLst>
+            <p:seq concurrent="1" nextAc="seek">
+              <p:cTn id="2" dur="indefinite" nodeType="mainSeq">
+                <p:childTnLst>
+                  <p:par>
+                    <p:cTn id="3" fill="hold">
+                      <p:stCondLst>
+                        <p:cond delay="indefinite"/>
+                      </p:stCondLst>
+                      <p:childTnLst>
+                        <p:par>
+                          <p:cTn id="4" fill="hold">
+                            <p:stCondLst>
+                              <p:cond delay="0"/>
+                            </p:stCondLst>
+                            <p:childTnLst>
+                              <p:par>
+                                <p:cTn id="5" presetID="2" presetClass="entr" presetSubtype="4" fill="hold" nodeType="clickEffect">
+                                  <p:stCondLst>
+                                    <p:cond delay="0"/>
+                                  </p:stCondLst>
+                                  <p:childTnLst>
+                                    <p:set>
+                                      <p:cBhvr>
+                                        <p:cTn id="6" dur="1" fill="hold">
+                                          <p:stCondLst>
+                                            <p:cond delay="0"/>
+                                          </p:stCondLst>
+                                        </p:cTn>
+                                        <p:tgtEl>
+                                          <p:spTgt spid="3">
+                                            <p:txEl>
+                                              <p:pRg st="0" end="0"/>
+                                            </p:txEl>
+                                          </p:spTgt>
+                                        </p:tgtEl>
+                                        <p:attrNameLst>
+                                          <p:attrName>style.visibility</p:attrName>
+                                        </p:attrNameLst>
+                                      </p:cBhvr>
+                                      <p:to>
+                                        <p:strVal val="visible"/>
+                                      </p:to>
+                                    </p:set>
+                                    <p:anim calcmode="lin" valueType="num">
+                                      <p:cBhvr additive="base">
+                                        <p:cTn id="7" dur="500" fill="hold"/>
+                                        <p:tgtEl>
+                                          <p:spTgt spid="3">
+                                            <p:txEl>
+                                              <p:pRg st="0" end="0"/>
+                                            </p:txEl>
+                                          </p:spTgt>
+                                        </p:tgtEl>
+                                        <p:attrNameLst>
+                                          <p:attrName>ppt_x</p:attrName>
+                                        </p:attrNameLst>
+                                      </p:cBhvr>
+                                      <p:tavLst>
+                                        <p:tav tm="0">
+                                          <p:val>
+                                            <p:strVal val="#ppt_x"/>
+                                          </p:val>
+                                        </p:tav>
+                                        <p:tav tm="100000">
+                                          <p:val>
+                                            <p:strVal val="#ppt_x"/>
+                                          </p:val>
+                                        </p:tav>
+                                      </p:tavLst>
+                                    </p:anim>
+                                    <p:anim calcmode="lin" valueType="num">
+                                      <p:cBhvr additive="base">
+                                        <p:cTn id="8" dur="500" fill="hold"/>
+                                        <p:tgtEl>
+                                          <p:spTgt spid="3">
+                                            <p:txEl>
+                                              <p:pRg st="0" end="0"/>
+                                            </p:txEl>
+                                          </p:spTgt>
+                                        </p:tgtEl>
+                                        <p:attrNameLst>
+                                          <p:attrName>ppt_y</p:attrName>
+                                        </p:attrNameLst>
+                                      </p:cBhvr>
+                                      <p:tavLst>
+                                        <p:tav tm="0">
+                                          <p:val>
+                                            <p:strVal val="1+#ppt_h/2"/>
+                                          </p:val>
+                                        </p:tav>
+                                        <p:tav tm="100000">
+                                          <p:val>
+                                            <p:strVal val="#ppt_y"/>
+                                          </p:val>
+                                        </p:tav>
+                                      </p:tavLst>
+                                    </p:anim>
+                                  </p:childTnLst>
+                                </p:cTn>
+                              </p:par>
+                            </p:childTnLst>
+                          </p:cTn>
+                        </p:par>
+                      </p:childTnLst>
+                    </p:cTn>
+                  </p:par>
+                  <p:par>
+                    <p:cTn id="9" fill="hold">
+                      <p:stCondLst>
+                        <p:cond delay="indefinite"/>
+                      </p:stCondLst>
+                      <p:childTnLst>
+                        <p:par>
+                          <p:cTn id="10" fill="hold">
+                            <p:stCondLst>
+                              <p:cond delay="0"/>
+                            </p:stCondLst>
+                            <p:childTnLst>
+                              <p:par>
+                                <p:cTn id="11" presetID="2" presetClass="entr" presetSubtype="4" fill="hold" nodeType="clickEffect">
+                                  <p:stCondLst>
+                                    <p:cond delay="0"/>
+                                  </p:stCondLst>
+                                  <p:childTnLst>
+                                    <p:set>
+                                      <p:cBhvr>
+                                        <p:cTn id="12" dur="1" fill="hold">
+                                          <p:stCondLst>
+                                            <p:cond delay="0"/>
+                                          </p:stCondLst>
+                                        </p:cTn>
+                                        <p:tgtEl>
+                                          <p:spTgt spid="3">
+                                            <p:txEl>
+                                              <p:pRg st="1" end="1"/>
+                                            </p:txEl>
+                                          </p:spTgt>
+                                        </p:tgtEl>
+                                        <p:attrNameLst>
+                                          <p:attrName>style.visibility</p:attrName>
+                                        </p:attrNameLst>
+                                      </p:cBhvr>
+                                      <p:to>
+                                        <p:strVal val="visible"/>
+                                      </p:to>
+                                    </p:set>
+                                    <p:anim calcmode="lin" valueType="num">
+                                      <p:cBhvr additive="base">
+                                        <p:cTn id="13" dur="500" fill="hold"/>
+                                        <p:tgtEl>
+                                          <p:spTgt spid="3">
+                                            <p:txEl>
+                                              <p:pRg st="1" end="1"/>
+                                            </p:txEl>
+                                          </p:spTgt>
+                                        </p:tgtEl>
+                                        <p:attrNameLst>
+                                          <p:attrName>ppt_x</p:attrName>
+                                        </p:attrNameLst>
+                                      </p:cBhvr>
+                                      <p:tavLst>
+                                        <p:tav tm="0">
+                                          <p:val>
+                                            <p:strVal val="#ppt_x"/>
+                                          </p:val>
+                                        </p:tav>
+                                        <p:tav tm="100000">
+                                          <p:val>
+                                            <p:strVal val="#ppt_x"/>
+                                          </p:val>
+                                        </p:tav>
+                                      </p:tavLst>
+                                    </p:anim>
+                                    <p:anim calcmode="lin" valueType="num">
+                                      <p:cBhvr additive="base">
+                                        <p:cTn id="14" dur="500" fill="hold"/>
+                                        <p:tgtEl>
+                                          <p:spTgt spid="3">
+                                            <p:txEl>
+                                              <p:pRg st="1" end="1"/>
+                                            </p:txEl>
+                                          </p:spTgt>
+                                        </p:tgtEl>
+                                        <p:attrNameLst>
+                                          <p:attrName>ppt_y</p:attrName>
+                                        </p:attrNameLst>
+                                      </p:cBhvr>
+                                      <p:tavLst>
+                                        <p:tav tm="0">
+                                          <p:val>
+                                            <p:strVal val="1+#ppt_h/2"/>
+                                          </p:val>
+                                        </p:tav>
+                                        <p:tav tm="100000">
+                                          <p:val>
+                                            <p:strVal val="#ppt_y"/>
+                                          </p:val>
+                                        </p:tav>
+                                      </p:tavLst>
+                                    </p:anim>
+                                  </p:childTnLst>
+                                </p:cTn>
+                              </p:par>
+                            </p:childTnLst>
+                          </p:cTn>
+                        </p:par>
+                      </p:childTnLst>
+                    </p:cTn>
+                  </p:par>
+                  <p:par>
+                    <p:cTn id="15" fill="hold">
+                      <p:stCondLst>
+                        <p:cond delay="indefinite"/>
+                      </p:stCondLst>
+                      <p:childTnLst>
+                        <p:par>
+                          <p:cTn id="16" fill="hold">
+                            <p:stCondLst>
+                              <p:cond delay="0"/>
+                            </p:stCondLst>
+                            <p:childTnLst>
+                              <p:par>
+                                <p:cTn id="17" presetID="2" presetClass="entr" presetSubtype="4" fill="hold" nodeType="clickEffect">
+                                  <p:stCondLst>
+                                    <p:cond delay="0"/>
+                                  </p:stCondLst>
+                                  <p:childTnLst>
+                                    <p:set>
+                                      <p:cBhvr>
+                                        <p:cTn id="18" dur="1" fill="hold">
+                                          <p:stCondLst>
+                                            <p:cond delay="0"/>
+                                          </p:stCondLst>
+                                        </p:cTn>
+                                        <p:tgtEl>
+                                          <p:spTgt spid="3">
+                                            <p:txEl>
+                                              <p:pRg st="2" end="2"/>
+                                            </p:txEl>
+                                          </p:spTgt>
+                                        </p:tgtEl>
+                                        <p:attrNameLst>
+                                          <p:attrName>style.visibility</p:attrName>
+                                        </p:attrNameLst>
+                                      </p:cBhvr>
+                                      <p:to>
+                                        <p:strVal val="visible"/>
+                                      </p:to>
+                                    </p:set>
+                                    <p:anim calcmode="lin" valueType="num">
+                                      <p:cBhvr additive="base">
+                                        <p:cTn id="19" dur="500" fill="hold"/>
+                                        <p:tgtEl>
+                                          <p:spTgt spid="3">
+                                            <p:txEl>
+                                              <p:pRg st="2" end="2"/>
+                                            </p:txEl>
+                                          </p:spTgt>
+                                        </p:tgtEl>
+                                        <p:attrNameLst>
+                                          <p:attrName>ppt_x</p:attrName>
+                                        </p:attrNameLst>
+                                      </p:cBhvr>
+                                      <p:tavLst>
+                                        <p:tav tm="0">
+                                          <p:val>
+                                            <p:strVal val="#ppt_x"/>
+                                          </p:val>
+                                        </p:tav>
+                                        <p:tav tm="100000">
+                                          <p:val>
+                                            <p:strVal val="#ppt_x"/>
+                                          </p:val>
+                                        </p:tav>
+                                      </p:tavLst>
+                                    </p:anim>
+                                    <p:anim calcmode="lin" valueType="num">
+                                      <p:cBhvr additive="base">
+                                        <p:cTn id="20" dur="500" fill="hold"/>
+                                        <p:tgtEl>
+                                          <p:spTgt spid="3">
+                                            <p:txEl>
+                                              <p:pRg st="2" end="2"/>
+                                            </p:txEl>
+                                          </p:spTgt>
+                                        </p:tgtEl>
+                                        <p:attrNameLst>
+                                          <p:attrName>ppt_y</p:attrName>
+                                        </p:attrNameLst>
+                                      </p:cBhvr>
+                                      <p:tavLst>
+                                        <p:tav tm="0">
+                                          <p:val>
+                                            <p:strVal val="1+#ppt_h/2"/>
+                                          </p:val>
+                                        </p:tav>
+                                        <p:tav tm="100000">
+                                          <p:val>
+                                            <p:strVal val="#ppt_y"/>
+                                          </p:val>
+                                        </p:tav>
+                                      </p:tavLst>
+                                    </p:anim>
+                                  </p:childTnLst>
+                                </p:cTn>
+                              </p:par>
+                            </p:childTnLst>
+                          </p:cTn>
+                        </p:par>
+                      </p:childTnLst>
+                    </p:cTn>
+                  </p:par>
+                  <p:par>
+                    <p:cTn id="21" fill="hold">
+                      <p:stCondLst>
+                        <p:cond delay="indefinite"/>
+                      </p:stCondLst>
+                      <p:childTnLst>
+                        <p:par>
+                          <p:cTn id="22" fill="hold">
+                            <p:stCondLst>
+                              <p:cond delay="0"/>
+                            </p:stCondLst>
+                            <p:childTnLst>
+                              <p:par>
+                                <p:cTn id="23" presetID="2" presetClass="entr" presetSubtype="4" fill="hold" nodeType="clickEffect">
+                                  <p:stCondLst>
+                                    <p:cond delay="0"/>
+                                  </p:stCondLst>
+                                  <p:childTnLst>
+                                    <p:set>
+                                      <p:cBhvr>
+                                        <p:cTn id="24" dur="1" fill="hold">
+                                          <p:stCondLst>
+                                            <p:cond delay="0"/>
+                                          </p:stCondLst>
+                                        </p:cTn>
+                                        <p:tgtEl>
+                                          <p:spTgt spid="3">
+                                            <p:txEl>
+                                              <p:pRg st="3" end="3"/>
+                                            </p:txEl>
+                                          </p:spTgt>
+                                        </p:tgtEl>
+                                        <p:attrNameLst>
+                                          <p:attrName>style.visibility</p:attrName>
+                                        </p:attrNameLst>
+                                      </p:cBhvr>
+                                      <p:to>
+                                        <p:strVal val="visible"/>
+                                      </p:to>
+                                    </p:set>
+                                    <p:anim calcmode="lin" valueType="num">
+                                      <p:cBhvr additive="base">
+                                        <p:cTn id="25" dur="500" fill="hold"/>
+                                        <p:tgtEl>
+                                          <p:spTgt spid="3">
+                                            <p:txEl>
+                                              <p:pRg st="3" end="3"/>
+                                            </p:txEl>
+                                          </p:spTgt>
+                                        </p:tgtEl>
+                                        <p:attrNameLst>
+                                          <p:attrName>ppt_x</p:attrName>
+                                        </p:attrNameLst>
+                                      </p:cBhvr>
+                                      <p:tavLst>
+                                        <p:tav tm="0">
+                                          <p:val>
+                                            <p:strVal val="#ppt_x"/>
+                                          </p:val>
+                                        </p:tav>
+                                        <p:tav tm="100000">
+                                          <p:val>
+                                            <p:strVal val="#ppt_x"/>
+                                          </p:val>
+                                        </p:tav>
+                                      </p:tavLst>
+                                    </p:anim>
+                                    <p:anim calcmode="lin" valueType="num">
+                                      <p:cBhvr additive="base">
+                                        <p:cTn id="26" dur="500" fill="hold"/>
+                                        <p:tgtEl>
+                                          <p:spTgt spid="3">
+                                            <p:txEl>
+                                              <p:pRg st="3" end="3"/>
+                                            </p:txEl>
+                                          </p:spTgt>
+                                        </p:tgtEl>
+                                        <p:attrNameLst>
+                                          <p:attrName>ppt_y</p:attrName>
+                                        </p:attrNameLst>
+                                      </p:cBhvr>
+                                      <p:tavLst>
+                                        <p:tav tm="0">
+                                          <p:val>
+                                            <p:strVal val="1+#ppt_h/2"/>
+                                          </p:val>
+                                        </p:tav>
+                                        <p:tav tm="100000">
+                                          <p:val>
+                                            <p:strVal val="#ppt_y"/>
+                                          </p:val>
+                                        </p:tav>
+                                      </p:tavLst>
+                                    </p:anim>
+                                  </p:childTnLst>
+                                </p:cTn>
+                              </p:par>
+                            </p:childTnLst>
+                          </p:cTn>
+                        </p:par>
+                      </p:childTnLst>
+                    </p:cTn>
+                  </p:par>
+                  <p:par>
+                    <p:cTn id="27" fill="hold">
+                      <p:stCondLst>
+                        <p:cond delay="indefinite"/>
+                      </p:stCondLst>
+                      <p:childTnLst>
+                        <p:par>
+                          <p:cTn id="28" fill="hold">
+                            <p:stCondLst>
+                              <p:cond delay="0"/>
+                            </p:stCondLst>
+                            <p:childTnLst>
+                              <p:par>
+                                <p:cTn id="29" presetID="2" presetClass="entr" presetSubtype="4" fill="hold" nodeType="clickEffect">
+                                  <p:stCondLst>
+                                    <p:cond delay="0"/>
+                                  </p:stCondLst>
+                                  <p:childTnLst>
+                                    <p:set>
+                                      <p:cBhvr>
+                                        <p:cTn id="30" dur="1" fill="hold">
+                                          <p:stCondLst>
+                                            <p:cond delay="0"/>
+                                          </p:stCondLst>
+                                        </p:cTn>
+                                        <p:tgtEl>
+                                          <p:spTgt spid="3">
+                                            <p:txEl>
+                                              <p:pRg st="4" end="4"/>
+                                            </p:txEl>
+                                          </p:spTgt>
+                                        </p:tgtEl>
+                                        <p:attrNameLst>
+                                          <p:attrName>style.visibility</p:attrName>
+                                        </p:attrNameLst>
+                                      </p:cBhvr>
+                                      <p:to>
+                                        <p:strVal val="visible"/>
+                                      </p:to>
+                                    </p:set>
+                                    <p:anim calcmode="lin" valueType="num">
+                                      <p:cBhvr additive="base">
+                                        <p:cTn id="31" dur="500" fill="hold"/>
+                                        <p:tgtEl>
+                                          <p:spTgt spid="3">
+                                            <p:txEl>
+                                              <p:pRg st="4" end="4"/>
+                                            </p:txEl>
+                                          </p:spTgt>
+                                        </p:tgtEl>
+                                        <p:attrNameLst>
+                                          <p:attrName>ppt_x</p:attrName>
+                                        </p:attrNameLst>
+                                      </p:cBhvr>
+                                      <p:tavLst>
+                                        <p:tav tm="0">
+                                          <p:val>
+                                            <p:strVal val="#ppt_x"/>
+                                          </p:val>
+                                        </p:tav>
+                                        <p:tav tm="100000">
+                                          <p:val>
+                                            <p:strVal val="#ppt_x"/>
+                                          </p:val>
+                                        </p:tav>
+                                      </p:tavLst>
+                                    </p:anim>
+                                    <p:anim calcmode="lin" valueType="num">
+                                      <p:cBhvr additive="base">
+                                        <p:cTn id="32" dur="500" fill="hold"/>
+                                        <p:tgtEl>
+                                          <p:spTgt spid="3">
+                                            <p:txEl>
+                                              <p:pRg st="4" end="4"/>
+                                            </p:txEl>
+                                          </p:spTgt>
+                                        </p:tgtEl>
+                                        <p:attrNameLst>
+                                          <p:attrName>ppt_y</p:attrName>
+                                        </p:attrNameLst>
+                                      </p:cBhvr>
+                                      <p:tavLst>
+                                        <p:tav tm="0">
+                                          <p:val>
+                                            <p:strVal val="1+#ppt_h/2"/>
+                                          </p:val>
+                                        </p:tav>
+                                        <p:tav tm="100000">
+                                          <p:val>
+                                            <p:strVal val="#ppt_y"/>
+                                          </p:val>
+                                        </p:tav>
+                                      </p:tavLst>
+                                    </p:anim>
+                                  </p:childTnLst>
+                                </p:cTn>
+                              </p:par>
+                            </p:childTnLst>
+                          </p:cTn>
+                        </p:par>
+                      </p:childTnLst>
+                    </p:cTn>
+                  </p:par>
+                </p:childTnLst>
+              </p:cTn>
+              <p:prevCondLst>
+                <p:cond evt="onPrev" delay="0">
+                  <p:tgtEl>
+                    <p:sldTgt/>
+                  </p:tgtEl>
+                </p:cond>
+              </p:prevCondLst>
+              <p:nextCondLst>
+                <p:cond evt="onNext" delay="0">
+                  <p:tgtEl>
+                    <p:sldTgt/>
+                  </p:tgtEl>
+                </p:cond>
+              </p:nextCondLst>
+            </p:seq>
+          </p:childTnLst>
+        </p:cTn>
       </p:par>
     </p:tnLst>
   </p:timing>
@@ -6256,7 +8672,339 @@
   <p:timing>
     <p:tnLst>
       <p:par>
-        <p:cTn id="1" dur="indefinite" restart="never" nodeType="tmRoot"/>
+        <p:cTn id="1" dur="indefinite" restart="never" nodeType="tmRoot">
+          <p:childTnLst>
+            <p:seq concurrent="1" nextAc="seek">
+              <p:cTn id="2" dur="indefinite" nodeType="mainSeq">
+                <p:childTnLst>
+                  <p:par>
+                    <p:cTn id="3" fill="hold">
+                      <p:stCondLst>
+                        <p:cond delay="indefinite"/>
+                      </p:stCondLst>
+                      <p:childTnLst>
+                        <p:par>
+                          <p:cTn id="4" fill="hold">
+                            <p:stCondLst>
+                              <p:cond delay="0"/>
+                            </p:stCondLst>
+                            <p:childTnLst>
+                              <p:par>
+                                <p:cTn id="5" presetID="2" presetClass="entr" presetSubtype="4" fill="hold" nodeType="clickEffect">
+                                  <p:stCondLst>
+                                    <p:cond delay="0"/>
+                                  </p:stCondLst>
+                                  <p:childTnLst>
+                                    <p:set>
+                                      <p:cBhvr>
+                                        <p:cTn id="6" dur="1" fill="hold">
+                                          <p:stCondLst>
+                                            <p:cond delay="0"/>
+                                          </p:stCondLst>
+                                        </p:cTn>
+                                        <p:tgtEl>
+                                          <p:spTgt spid="3">
+                                            <p:txEl>
+                                              <p:pRg st="0" end="0"/>
+                                            </p:txEl>
+                                          </p:spTgt>
+                                        </p:tgtEl>
+                                        <p:attrNameLst>
+                                          <p:attrName>style.visibility</p:attrName>
+                                        </p:attrNameLst>
+                                      </p:cBhvr>
+                                      <p:to>
+                                        <p:strVal val="visible"/>
+                                      </p:to>
+                                    </p:set>
+                                    <p:anim calcmode="lin" valueType="num">
+                                      <p:cBhvr additive="base">
+                                        <p:cTn id="7" dur="500" fill="hold"/>
+                                        <p:tgtEl>
+                                          <p:spTgt spid="3">
+                                            <p:txEl>
+                                              <p:pRg st="0" end="0"/>
+                                            </p:txEl>
+                                          </p:spTgt>
+                                        </p:tgtEl>
+                                        <p:attrNameLst>
+                                          <p:attrName>ppt_x</p:attrName>
+                                        </p:attrNameLst>
+                                      </p:cBhvr>
+                                      <p:tavLst>
+                                        <p:tav tm="0">
+                                          <p:val>
+                                            <p:strVal val="#ppt_x"/>
+                                          </p:val>
+                                        </p:tav>
+                                        <p:tav tm="100000">
+                                          <p:val>
+                                            <p:strVal val="#ppt_x"/>
+                                          </p:val>
+                                        </p:tav>
+                                      </p:tavLst>
+                                    </p:anim>
+                                    <p:anim calcmode="lin" valueType="num">
+                                      <p:cBhvr additive="base">
+                                        <p:cTn id="8" dur="500" fill="hold"/>
+                                        <p:tgtEl>
+                                          <p:spTgt spid="3">
+                                            <p:txEl>
+                                              <p:pRg st="0" end="0"/>
+                                            </p:txEl>
+                                          </p:spTgt>
+                                        </p:tgtEl>
+                                        <p:attrNameLst>
+                                          <p:attrName>ppt_y</p:attrName>
+                                        </p:attrNameLst>
+                                      </p:cBhvr>
+                                      <p:tavLst>
+                                        <p:tav tm="0">
+                                          <p:val>
+                                            <p:strVal val="1+#ppt_h/2"/>
+                                          </p:val>
+                                        </p:tav>
+                                        <p:tav tm="100000">
+                                          <p:val>
+                                            <p:strVal val="#ppt_y"/>
+                                          </p:val>
+                                        </p:tav>
+                                      </p:tavLst>
+                                    </p:anim>
+                                  </p:childTnLst>
+                                </p:cTn>
+                              </p:par>
+                            </p:childTnLst>
+                          </p:cTn>
+                        </p:par>
+                      </p:childTnLst>
+                    </p:cTn>
+                  </p:par>
+                  <p:par>
+                    <p:cTn id="9" fill="hold">
+                      <p:stCondLst>
+                        <p:cond delay="indefinite"/>
+                      </p:stCondLst>
+                      <p:childTnLst>
+                        <p:par>
+                          <p:cTn id="10" fill="hold">
+                            <p:stCondLst>
+                              <p:cond delay="0"/>
+                            </p:stCondLst>
+                            <p:childTnLst>
+                              <p:par>
+                                <p:cTn id="11" presetID="2" presetClass="entr" presetSubtype="4" fill="hold" nodeType="clickEffect">
+                                  <p:stCondLst>
+                                    <p:cond delay="0"/>
+                                  </p:stCondLst>
+                                  <p:childTnLst>
+                                    <p:set>
+                                      <p:cBhvr>
+                                        <p:cTn id="12" dur="1" fill="hold">
+                                          <p:stCondLst>
+                                            <p:cond delay="0"/>
+                                          </p:stCondLst>
+                                        </p:cTn>
+                                        <p:tgtEl>
+                                          <p:spTgt spid="3">
+                                            <p:txEl>
+                                              <p:pRg st="1" end="1"/>
+                                            </p:txEl>
+                                          </p:spTgt>
+                                        </p:tgtEl>
+                                        <p:attrNameLst>
+                                          <p:attrName>style.visibility</p:attrName>
+                                        </p:attrNameLst>
+                                      </p:cBhvr>
+                                      <p:to>
+                                        <p:strVal val="visible"/>
+                                      </p:to>
+                                    </p:set>
+                                    <p:anim calcmode="lin" valueType="num">
+                                      <p:cBhvr additive="base">
+                                        <p:cTn id="13" dur="500" fill="hold"/>
+                                        <p:tgtEl>
+                                          <p:spTgt spid="3">
+                                            <p:txEl>
+                                              <p:pRg st="1" end="1"/>
+                                            </p:txEl>
+                                          </p:spTgt>
+                                        </p:tgtEl>
+                                        <p:attrNameLst>
+                                          <p:attrName>ppt_x</p:attrName>
+                                        </p:attrNameLst>
+                                      </p:cBhvr>
+                                      <p:tavLst>
+                                        <p:tav tm="0">
+                                          <p:val>
+                                            <p:strVal val="#ppt_x"/>
+                                          </p:val>
+                                        </p:tav>
+                                        <p:tav tm="100000">
+                                          <p:val>
+                                            <p:strVal val="#ppt_x"/>
+                                          </p:val>
+                                        </p:tav>
+                                      </p:tavLst>
+                                    </p:anim>
+                                    <p:anim calcmode="lin" valueType="num">
+                                      <p:cBhvr additive="base">
+                                        <p:cTn id="14" dur="500" fill="hold"/>
+                                        <p:tgtEl>
+                                          <p:spTgt spid="3">
+                                            <p:txEl>
+                                              <p:pRg st="1" end="1"/>
+                                            </p:txEl>
+                                          </p:spTgt>
+                                        </p:tgtEl>
+                                        <p:attrNameLst>
+                                          <p:attrName>ppt_y</p:attrName>
+                                        </p:attrNameLst>
+                                      </p:cBhvr>
+                                      <p:tavLst>
+                                        <p:tav tm="0">
+                                          <p:val>
+                                            <p:strVal val="1+#ppt_h/2"/>
+                                          </p:val>
+                                        </p:tav>
+                                        <p:tav tm="100000">
+                                          <p:val>
+                                            <p:strVal val="#ppt_y"/>
+                                          </p:val>
+                                        </p:tav>
+                                      </p:tavLst>
+                                    </p:anim>
+                                  </p:childTnLst>
+                                </p:cTn>
+                              </p:par>
+                            </p:childTnLst>
+                          </p:cTn>
+                        </p:par>
+                      </p:childTnLst>
+                    </p:cTn>
+                  </p:par>
+                  <p:par>
+                    <p:cTn id="15" fill="hold">
+                      <p:stCondLst>
+                        <p:cond delay="indefinite"/>
+                      </p:stCondLst>
+                      <p:childTnLst>
+                        <p:par>
+                          <p:cTn id="16" fill="hold">
+                            <p:stCondLst>
+                              <p:cond delay="0"/>
+                            </p:stCondLst>
+                            <p:childTnLst>
+                              <p:par>
+                                <p:cTn id="17" presetID="2" presetClass="entr" presetSubtype="4" fill="hold" nodeType="clickEffect">
+                                  <p:stCondLst>
+                                    <p:cond delay="0"/>
+                                  </p:stCondLst>
+                                  <p:childTnLst>
+                                    <p:set>
+                                      <p:cBhvr>
+                                        <p:cTn id="18" dur="1" fill="hold">
+                                          <p:stCondLst>
+                                            <p:cond delay="0"/>
+                                          </p:stCondLst>
+                                        </p:cTn>
+                                        <p:tgtEl>
+                                          <p:spTgt spid="3">
+                                            <p:txEl>
+                                              <p:pRg st="2" end="2"/>
+                                            </p:txEl>
+                                          </p:spTgt>
+                                        </p:tgtEl>
+                                        <p:attrNameLst>
+                                          <p:attrName>style.visibility</p:attrName>
+                                        </p:attrNameLst>
+                                      </p:cBhvr>
+                                      <p:to>
+                                        <p:strVal val="visible"/>
+                                      </p:to>
+                                    </p:set>
+                                    <p:anim calcmode="lin" valueType="num">
+                                      <p:cBhvr additive="base">
+                                        <p:cTn id="19" dur="500" fill="hold"/>
+                                        <p:tgtEl>
+                                          <p:spTgt spid="3">
+                                            <p:txEl>
+                                              <p:pRg st="2" end="2"/>
+                                            </p:txEl>
+                                          </p:spTgt>
+                                        </p:tgtEl>
+                                        <p:attrNameLst>
+                                          <p:attrName>ppt_x</p:attrName>
+                                        </p:attrNameLst>
+                                      </p:cBhvr>
+                                      <p:tavLst>
+                                        <p:tav tm="0">
+                                          <p:val>
+                                            <p:strVal val="#ppt_x"/>
+                                          </p:val>
+                                        </p:tav>
+                                        <p:tav tm="100000">
+                                          <p:val>
+                                            <p:strVal val="#ppt_x"/>
+                                          </p:val>
+                                        </p:tav>
+                                      </p:tavLst>
+                                    </p:anim>
+                                    <p:anim calcmode="lin" valueType="num">
+                                      <p:cBhvr additive="base">
+                                        <p:cTn id="20" dur="500" fill="hold"/>
+                                        <p:tgtEl>
+                                          <p:spTgt spid="3">
+                                            <p:txEl>
+                                              <p:pRg st="2" end="2"/>
+                                            </p:txEl>
+                                          </p:spTgt>
+                                        </p:tgtEl>
+                                        <p:attrNameLst>
+                                          <p:attrName>ppt_y</p:attrName>
+                                        </p:attrNameLst>
+                                      </p:cBhvr>
+                                      <p:tavLst>
+                                        <p:tav tm="0">
+                                          <p:val>
+                                            <p:strVal val="1+#ppt_h/2"/>
+                                          </p:val>
+                                        </p:tav>
+                                        <p:tav tm="100000">
+                                          <p:val>
+                                            <p:strVal val="#ppt_y"/>
+                                          </p:val>
+                                        </p:tav>
+                                      </p:tavLst>
+                                    </p:anim>
+                                  </p:childTnLst>
+                                </p:cTn>
+                              </p:par>
+                            </p:childTnLst>
+                          </p:cTn>
+                        </p:par>
+                      </p:childTnLst>
+                    </p:cTn>
+                  </p:par>
+                </p:childTnLst>
+              </p:cTn>
+              <p:prevCondLst>
+                <p:cond evt="onPrev" delay="0">
+                  <p:tgtEl>
+                    <p:sldTgt/>
+                  </p:tgtEl>
+                </p:cond>
+              </p:prevCondLst>
+              <p:nextCondLst>
+                <p:cond evt="onNext" delay="0">
+                  <p:tgtEl>
+                    <p:sldTgt/>
+                  </p:tgtEl>
+                </p:cond>
+              </p:nextCondLst>
+            </p:seq>
+          </p:childTnLst>
+        </p:cTn>
       </p:par>
     </p:tnLst>
   </p:timing>
@@ -6384,7 +9132,339 @@
   <p:timing>
     <p:tnLst>
       <p:par>
-        <p:cTn id="1" dur="indefinite" restart="never" nodeType="tmRoot"/>
+        <p:cTn id="1" dur="indefinite" restart="never" nodeType="tmRoot">
+          <p:childTnLst>
+            <p:seq concurrent="1" nextAc="seek">
+              <p:cTn id="2" dur="indefinite" nodeType="mainSeq">
+                <p:childTnLst>
+                  <p:par>
+                    <p:cTn id="3" fill="hold">
+                      <p:stCondLst>
+                        <p:cond delay="indefinite"/>
+                      </p:stCondLst>
+                      <p:childTnLst>
+                        <p:par>
+                          <p:cTn id="4" fill="hold">
+                            <p:stCondLst>
+                              <p:cond delay="0"/>
+                            </p:stCondLst>
+                            <p:childTnLst>
+                              <p:par>
+                                <p:cTn id="5" presetID="2" presetClass="entr" presetSubtype="4" fill="hold" nodeType="clickEffect">
+                                  <p:stCondLst>
+                                    <p:cond delay="0"/>
+                                  </p:stCondLst>
+                                  <p:childTnLst>
+                                    <p:set>
+                                      <p:cBhvr>
+                                        <p:cTn id="6" dur="1" fill="hold">
+                                          <p:stCondLst>
+                                            <p:cond delay="0"/>
+                                          </p:stCondLst>
+                                        </p:cTn>
+                                        <p:tgtEl>
+                                          <p:spTgt spid="3">
+                                            <p:txEl>
+                                              <p:pRg st="1" end="1"/>
+                                            </p:txEl>
+                                          </p:spTgt>
+                                        </p:tgtEl>
+                                        <p:attrNameLst>
+                                          <p:attrName>style.visibility</p:attrName>
+                                        </p:attrNameLst>
+                                      </p:cBhvr>
+                                      <p:to>
+                                        <p:strVal val="visible"/>
+                                      </p:to>
+                                    </p:set>
+                                    <p:anim calcmode="lin" valueType="num">
+                                      <p:cBhvr additive="base">
+                                        <p:cTn id="7" dur="500" fill="hold"/>
+                                        <p:tgtEl>
+                                          <p:spTgt spid="3">
+                                            <p:txEl>
+                                              <p:pRg st="1" end="1"/>
+                                            </p:txEl>
+                                          </p:spTgt>
+                                        </p:tgtEl>
+                                        <p:attrNameLst>
+                                          <p:attrName>ppt_x</p:attrName>
+                                        </p:attrNameLst>
+                                      </p:cBhvr>
+                                      <p:tavLst>
+                                        <p:tav tm="0">
+                                          <p:val>
+                                            <p:strVal val="#ppt_x"/>
+                                          </p:val>
+                                        </p:tav>
+                                        <p:tav tm="100000">
+                                          <p:val>
+                                            <p:strVal val="#ppt_x"/>
+                                          </p:val>
+                                        </p:tav>
+                                      </p:tavLst>
+                                    </p:anim>
+                                    <p:anim calcmode="lin" valueType="num">
+                                      <p:cBhvr additive="base">
+                                        <p:cTn id="8" dur="500" fill="hold"/>
+                                        <p:tgtEl>
+                                          <p:spTgt spid="3">
+                                            <p:txEl>
+                                              <p:pRg st="1" end="1"/>
+                                            </p:txEl>
+                                          </p:spTgt>
+                                        </p:tgtEl>
+                                        <p:attrNameLst>
+                                          <p:attrName>ppt_y</p:attrName>
+                                        </p:attrNameLst>
+                                      </p:cBhvr>
+                                      <p:tavLst>
+                                        <p:tav tm="0">
+                                          <p:val>
+                                            <p:strVal val="1+#ppt_h/2"/>
+                                          </p:val>
+                                        </p:tav>
+                                        <p:tav tm="100000">
+                                          <p:val>
+                                            <p:strVal val="#ppt_y"/>
+                                          </p:val>
+                                        </p:tav>
+                                      </p:tavLst>
+                                    </p:anim>
+                                  </p:childTnLst>
+                                </p:cTn>
+                              </p:par>
+                            </p:childTnLst>
+                          </p:cTn>
+                        </p:par>
+                      </p:childTnLst>
+                    </p:cTn>
+                  </p:par>
+                  <p:par>
+                    <p:cTn id="9" fill="hold">
+                      <p:stCondLst>
+                        <p:cond delay="indefinite"/>
+                      </p:stCondLst>
+                      <p:childTnLst>
+                        <p:par>
+                          <p:cTn id="10" fill="hold">
+                            <p:stCondLst>
+                              <p:cond delay="0"/>
+                            </p:stCondLst>
+                            <p:childTnLst>
+                              <p:par>
+                                <p:cTn id="11" presetID="2" presetClass="entr" presetSubtype="4" fill="hold" nodeType="clickEffect">
+                                  <p:stCondLst>
+                                    <p:cond delay="0"/>
+                                  </p:stCondLst>
+                                  <p:childTnLst>
+                                    <p:set>
+                                      <p:cBhvr>
+                                        <p:cTn id="12" dur="1" fill="hold">
+                                          <p:stCondLst>
+                                            <p:cond delay="0"/>
+                                          </p:stCondLst>
+                                        </p:cTn>
+                                        <p:tgtEl>
+                                          <p:spTgt spid="3">
+                                            <p:txEl>
+                                              <p:pRg st="2" end="2"/>
+                                            </p:txEl>
+                                          </p:spTgt>
+                                        </p:tgtEl>
+                                        <p:attrNameLst>
+                                          <p:attrName>style.visibility</p:attrName>
+                                        </p:attrNameLst>
+                                      </p:cBhvr>
+                                      <p:to>
+                                        <p:strVal val="visible"/>
+                                      </p:to>
+                                    </p:set>
+                                    <p:anim calcmode="lin" valueType="num">
+                                      <p:cBhvr additive="base">
+                                        <p:cTn id="13" dur="500" fill="hold"/>
+                                        <p:tgtEl>
+                                          <p:spTgt spid="3">
+                                            <p:txEl>
+                                              <p:pRg st="2" end="2"/>
+                                            </p:txEl>
+                                          </p:spTgt>
+                                        </p:tgtEl>
+                                        <p:attrNameLst>
+                                          <p:attrName>ppt_x</p:attrName>
+                                        </p:attrNameLst>
+                                      </p:cBhvr>
+                                      <p:tavLst>
+                                        <p:tav tm="0">
+                                          <p:val>
+                                            <p:strVal val="#ppt_x"/>
+                                          </p:val>
+                                        </p:tav>
+                                        <p:tav tm="100000">
+                                          <p:val>
+                                            <p:strVal val="#ppt_x"/>
+                                          </p:val>
+                                        </p:tav>
+                                      </p:tavLst>
+                                    </p:anim>
+                                    <p:anim calcmode="lin" valueType="num">
+                                      <p:cBhvr additive="base">
+                                        <p:cTn id="14" dur="500" fill="hold"/>
+                                        <p:tgtEl>
+                                          <p:spTgt spid="3">
+                                            <p:txEl>
+                                              <p:pRg st="2" end="2"/>
+                                            </p:txEl>
+                                          </p:spTgt>
+                                        </p:tgtEl>
+                                        <p:attrNameLst>
+                                          <p:attrName>ppt_y</p:attrName>
+                                        </p:attrNameLst>
+                                      </p:cBhvr>
+                                      <p:tavLst>
+                                        <p:tav tm="0">
+                                          <p:val>
+                                            <p:strVal val="1+#ppt_h/2"/>
+                                          </p:val>
+                                        </p:tav>
+                                        <p:tav tm="100000">
+                                          <p:val>
+                                            <p:strVal val="#ppt_y"/>
+                                          </p:val>
+                                        </p:tav>
+                                      </p:tavLst>
+                                    </p:anim>
+                                  </p:childTnLst>
+                                </p:cTn>
+                              </p:par>
+                            </p:childTnLst>
+                          </p:cTn>
+                        </p:par>
+                      </p:childTnLst>
+                    </p:cTn>
+                  </p:par>
+                  <p:par>
+                    <p:cTn id="15" fill="hold">
+                      <p:stCondLst>
+                        <p:cond delay="indefinite"/>
+                      </p:stCondLst>
+                      <p:childTnLst>
+                        <p:par>
+                          <p:cTn id="16" fill="hold">
+                            <p:stCondLst>
+                              <p:cond delay="0"/>
+                            </p:stCondLst>
+                            <p:childTnLst>
+                              <p:par>
+                                <p:cTn id="17" presetID="2" presetClass="entr" presetSubtype="4" fill="hold" nodeType="clickEffect">
+                                  <p:stCondLst>
+                                    <p:cond delay="0"/>
+                                  </p:stCondLst>
+                                  <p:childTnLst>
+                                    <p:set>
+                                      <p:cBhvr>
+                                        <p:cTn id="18" dur="1" fill="hold">
+                                          <p:stCondLst>
+                                            <p:cond delay="0"/>
+                                          </p:stCondLst>
+                                        </p:cTn>
+                                        <p:tgtEl>
+                                          <p:spTgt spid="3">
+                                            <p:txEl>
+                                              <p:pRg st="3" end="3"/>
+                                            </p:txEl>
+                                          </p:spTgt>
+                                        </p:tgtEl>
+                                        <p:attrNameLst>
+                                          <p:attrName>style.visibility</p:attrName>
+                                        </p:attrNameLst>
+                                      </p:cBhvr>
+                                      <p:to>
+                                        <p:strVal val="visible"/>
+                                      </p:to>
+                                    </p:set>
+                                    <p:anim calcmode="lin" valueType="num">
+                                      <p:cBhvr additive="base">
+                                        <p:cTn id="19" dur="500" fill="hold"/>
+                                        <p:tgtEl>
+                                          <p:spTgt spid="3">
+                                            <p:txEl>
+                                              <p:pRg st="3" end="3"/>
+                                            </p:txEl>
+                                          </p:spTgt>
+                                        </p:tgtEl>
+                                        <p:attrNameLst>
+                                          <p:attrName>ppt_x</p:attrName>
+                                        </p:attrNameLst>
+                                      </p:cBhvr>
+                                      <p:tavLst>
+                                        <p:tav tm="0">
+                                          <p:val>
+                                            <p:strVal val="#ppt_x"/>
+                                          </p:val>
+                                        </p:tav>
+                                        <p:tav tm="100000">
+                                          <p:val>
+                                            <p:strVal val="#ppt_x"/>
+                                          </p:val>
+                                        </p:tav>
+                                      </p:tavLst>
+                                    </p:anim>
+                                    <p:anim calcmode="lin" valueType="num">
+                                      <p:cBhvr additive="base">
+                                        <p:cTn id="20" dur="500" fill="hold"/>
+                                        <p:tgtEl>
+                                          <p:spTgt spid="3">
+                                            <p:txEl>
+                                              <p:pRg st="3" end="3"/>
+                                            </p:txEl>
+                                          </p:spTgt>
+                                        </p:tgtEl>
+                                        <p:attrNameLst>
+                                          <p:attrName>ppt_y</p:attrName>
+                                        </p:attrNameLst>
+                                      </p:cBhvr>
+                                      <p:tavLst>
+                                        <p:tav tm="0">
+                                          <p:val>
+                                            <p:strVal val="1+#ppt_h/2"/>
+                                          </p:val>
+                                        </p:tav>
+                                        <p:tav tm="100000">
+                                          <p:val>
+                                            <p:strVal val="#ppt_y"/>
+                                          </p:val>
+                                        </p:tav>
+                                      </p:tavLst>
+                                    </p:anim>
+                                  </p:childTnLst>
+                                </p:cTn>
+                              </p:par>
+                            </p:childTnLst>
+                          </p:cTn>
+                        </p:par>
+                      </p:childTnLst>
+                    </p:cTn>
+                  </p:par>
+                </p:childTnLst>
+              </p:cTn>
+              <p:prevCondLst>
+                <p:cond evt="onPrev" delay="0">
+                  <p:tgtEl>
+                    <p:sldTgt/>
+                  </p:tgtEl>
+                </p:cond>
+              </p:prevCondLst>
+              <p:nextCondLst>
+                <p:cond evt="onNext" delay="0">
+                  <p:tgtEl>
+                    <p:sldTgt/>
+                  </p:tgtEl>
+                </p:cond>
+              </p:nextCondLst>
+            </p:seq>
+          </p:childTnLst>
+        </p:cTn>
       </p:par>
     </p:tnLst>
   </p:timing>
@@ -6510,7 +9590,236 @@
   <p:timing>
     <p:tnLst>
       <p:par>
-        <p:cTn id="1" dur="indefinite" restart="never" nodeType="tmRoot"/>
+        <p:cTn id="1" dur="indefinite" restart="never" nodeType="tmRoot">
+          <p:childTnLst>
+            <p:seq concurrent="1" nextAc="seek">
+              <p:cTn id="2" dur="indefinite" nodeType="mainSeq">
+                <p:childTnLst>
+                  <p:par>
+                    <p:cTn id="3" fill="hold">
+                      <p:stCondLst>
+                        <p:cond delay="indefinite"/>
+                      </p:stCondLst>
+                      <p:childTnLst>
+                        <p:par>
+                          <p:cTn id="4" fill="hold">
+                            <p:stCondLst>
+                              <p:cond delay="0"/>
+                            </p:stCondLst>
+                            <p:childTnLst>
+                              <p:par>
+                                <p:cTn id="5" presetID="2" presetClass="entr" presetSubtype="4" fill="hold" nodeType="clickEffect">
+                                  <p:stCondLst>
+                                    <p:cond delay="0"/>
+                                  </p:stCondLst>
+                                  <p:childTnLst>
+                                    <p:set>
+                                      <p:cBhvr>
+                                        <p:cTn id="6" dur="1" fill="hold">
+                                          <p:stCondLst>
+                                            <p:cond delay="0"/>
+                                          </p:stCondLst>
+                                        </p:cTn>
+                                        <p:tgtEl>
+                                          <p:spTgt spid="3">
+                                            <p:txEl>
+                                              <p:pRg st="0" end="0"/>
+                                            </p:txEl>
+                                          </p:spTgt>
+                                        </p:tgtEl>
+                                        <p:attrNameLst>
+                                          <p:attrName>style.visibility</p:attrName>
+                                        </p:attrNameLst>
+                                      </p:cBhvr>
+                                      <p:to>
+                                        <p:strVal val="visible"/>
+                                      </p:to>
+                                    </p:set>
+                                    <p:anim calcmode="lin" valueType="num">
+                                      <p:cBhvr additive="base">
+                                        <p:cTn id="7" dur="500" fill="hold"/>
+                                        <p:tgtEl>
+                                          <p:spTgt spid="3">
+                                            <p:txEl>
+                                              <p:pRg st="0" end="0"/>
+                                            </p:txEl>
+                                          </p:spTgt>
+                                        </p:tgtEl>
+                                        <p:attrNameLst>
+                                          <p:attrName>ppt_x</p:attrName>
+                                        </p:attrNameLst>
+                                      </p:cBhvr>
+                                      <p:tavLst>
+                                        <p:tav tm="0">
+                                          <p:val>
+                                            <p:strVal val="#ppt_x"/>
+                                          </p:val>
+                                        </p:tav>
+                                        <p:tav tm="100000">
+                                          <p:val>
+                                            <p:strVal val="#ppt_x"/>
+                                          </p:val>
+                                        </p:tav>
+                                      </p:tavLst>
+                                    </p:anim>
+                                    <p:anim calcmode="lin" valueType="num">
+                                      <p:cBhvr additive="base">
+                                        <p:cTn id="8" dur="500" fill="hold"/>
+                                        <p:tgtEl>
+                                          <p:spTgt spid="3">
+                                            <p:txEl>
+                                              <p:pRg st="0" end="0"/>
+                                            </p:txEl>
+                                          </p:spTgt>
+                                        </p:tgtEl>
+                                        <p:attrNameLst>
+                                          <p:attrName>ppt_y</p:attrName>
+                                        </p:attrNameLst>
+                                      </p:cBhvr>
+                                      <p:tavLst>
+                                        <p:tav tm="0">
+                                          <p:val>
+                                            <p:strVal val="1+#ppt_h/2"/>
+                                          </p:val>
+                                        </p:tav>
+                                        <p:tav tm="100000">
+                                          <p:val>
+                                            <p:strVal val="#ppt_y"/>
+                                          </p:val>
+                                        </p:tav>
+                                      </p:tavLst>
+                                    </p:anim>
+                                  </p:childTnLst>
+                                </p:cTn>
+                              </p:par>
+                            </p:childTnLst>
+                          </p:cTn>
+                        </p:par>
+                      </p:childTnLst>
+                    </p:cTn>
+                  </p:par>
+                  <p:par>
+                    <p:cTn id="9" fill="hold">
+                      <p:stCondLst>
+                        <p:cond delay="indefinite"/>
+                      </p:stCondLst>
+                      <p:childTnLst>
+                        <p:par>
+                          <p:cTn id="10" fill="hold">
+                            <p:stCondLst>
+                              <p:cond delay="0"/>
+                            </p:stCondLst>
+                            <p:childTnLst>
+                              <p:par>
+                                <p:cTn id="11" presetID="2" presetClass="entr" presetSubtype="4" fill="hold" nodeType="clickEffect">
+                                  <p:stCondLst>
+                                    <p:cond delay="0"/>
+                                  </p:stCondLst>
+                                  <p:childTnLst>
+                                    <p:set>
+                                      <p:cBhvr>
+                                        <p:cTn id="12" dur="1" fill="hold">
+                                          <p:stCondLst>
+                                            <p:cond delay="0"/>
+                                          </p:stCondLst>
+                                        </p:cTn>
+                                        <p:tgtEl>
+                                          <p:spTgt spid="3">
+                                            <p:txEl>
+                                              <p:pRg st="1" end="1"/>
+                                            </p:txEl>
+                                          </p:spTgt>
+                                        </p:tgtEl>
+                                        <p:attrNameLst>
+                                          <p:attrName>style.visibility</p:attrName>
+                                        </p:attrNameLst>
+                                      </p:cBhvr>
+                                      <p:to>
+                                        <p:strVal val="visible"/>
+                                      </p:to>
+                                    </p:set>
+                                    <p:anim calcmode="lin" valueType="num">
+                                      <p:cBhvr additive="base">
+                                        <p:cTn id="13" dur="500" fill="hold"/>
+                                        <p:tgtEl>
+                                          <p:spTgt spid="3">
+                                            <p:txEl>
+                                              <p:pRg st="1" end="1"/>
+                                            </p:txEl>
+                                          </p:spTgt>
+                                        </p:tgtEl>
+                                        <p:attrNameLst>
+                                          <p:attrName>ppt_x</p:attrName>
+                                        </p:attrNameLst>
+                                      </p:cBhvr>
+                                      <p:tavLst>
+                                        <p:tav tm="0">
+                                          <p:val>
+                                            <p:strVal val="#ppt_x"/>
+                                          </p:val>
+                                        </p:tav>
+                                        <p:tav tm="100000">
+                                          <p:val>
+                                            <p:strVal val="#ppt_x"/>
+                                          </p:val>
+                                        </p:tav>
+                                      </p:tavLst>
+                                    </p:anim>
+                                    <p:anim calcmode="lin" valueType="num">
+                                      <p:cBhvr additive="base">
+                                        <p:cTn id="14" dur="500" fill="hold"/>
+                                        <p:tgtEl>
+                                          <p:spTgt spid="3">
+                                            <p:txEl>
+                                              <p:pRg st="1" end="1"/>
+                                            </p:txEl>
+                                          </p:spTgt>
+                                        </p:tgtEl>
+                                        <p:attrNameLst>
+                                          <p:attrName>ppt_y</p:attrName>
+                                        </p:attrNameLst>
+                                      </p:cBhvr>
+                                      <p:tavLst>
+                                        <p:tav tm="0">
+                                          <p:val>
+                                            <p:strVal val="1+#ppt_h/2"/>
+                                          </p:val>
+                                        </p:tav>
+                                        <p:tav tm="100000">
+                                          <p:val>
+                                            <p:strVal val="#ppt_y"/>
+                                          </p:val>
+                                        </p:tav>
+                                      </p:tavLst>
+                                    </p:anim>
+                                  </p:childTnLst>
+                                </p:cTn>
+                              </p:par>
+                            </p:childTnLst>
+                          </p:cTn>
+                        </p:par>
+                      </p:childTnLst>
+                    </p:cTn>
+                  </p:par>
+                </p:childTnLst>
+              </p:cTn>
+              <p:prevCondLst>
+                <p:cond evt="onPrev" delay="0">
+                  <p:tgtEl>
+                    <p:sldTgt/>
+                  </p:tgtEl>
+                </p:cond>
+              </p:prevCondLst>
+              <p:nextCondLst>
+                <p:cond evt="onNext" delay="0">
+                  <p:tgtEl>
+                    <p:sldTgt/>
+                  </p:tgtEl>
+                </p:cond>
+              </p:nextCondLst>
+            </p:seq>
+          </p:childTnLst>
+        </p:cTn>
       </p:par>
     </p:tnLst>
   </p:timing>
@@ -6550,7 +9859,7 @@
           <a:lstStyle/>
           <a:p>
             <a:r>
-              <a:rPr lang="zh-CN" altLang="en-US" smtClean="0"/>
+              <a:rPr lang="zh-CN" altLang="en-US" dirty="0" smtClean="0"/>
               <a:t>实践中的漫游测试</a:t>
             </a:r>
             <a:endParaRPr lang="zh-CN" altLang="en-US" dirty="0"/>
@@ -6629,7 +9938,339 @@
   <p:timing>
     <p:tnLst>
       <p:par>
-        <p:cTn id="1" dur="indefinite" restart="never" nodeType="tmRoot"/>
+        <p:cTn id="1" dur="indefinite" restart="never" nodeType="tmRoot">
+          <p:childTnLst>
+            <p:seq concurrent="1" nextAc="seek">
+              <p:cTn id="2" dur="indefinite" nodeType="mainSeq">
+                <p:childTnLst>
+                  <p:par>
+                    <p:cTn id="3" fill="hold">
+                      <p:stCondLst>
+                        <p:cond delay="indefinite"/>
+                      </p:stCondLst>
+                      <p:childTnLst>
+                        <p:par>
+                          <p:cTn id="4" fill="hold">
+                            <p:stCondLst>
+                              <p:cond delay="0"/>
+                            </p:stCondLst>
+                            <p:childTnLst>
+                              <p:par>
+                                <p:cTn id="5" presetID="2" presetClass="entr" presetSubtype="4" fill="hold" nodeType="clickEffect">
+                                  <p:stCondLst>
+                                    <p:cond delay="0"/>
+                                  </p:stCondLst>
+                                  <p:childTnLst>
+                                    <p:set>
+                                      <p:cBhvr>
+                                        <p:cTn id="6" dur="1" fill="hold">
+                                          <p:stCondLst>
+                                            <p:cond delay="0"/>
+                                          </p:stCondLst>
+                                        </p:cTn>
+                                        <p:tgtEl>
+                                          <p:spTgt spid="3">
+                                            <p:txEl>
+                                              <p:pRg st="0" end="0"/>
+                                            </p:txEl>
+                                          </p:spTgt>
+                                        </p:tgtEl>
+                                        <p:attrNameLst>
+                                          <p:attrName>style.visibility</p:attrName>
+                                        </p:attrNameLst>
+                                      </p:cBhvr>
+                                      <p:to>
+                                        <p:strVal val="visible"/>
+                                      </p:to>
+                                    </p:set>
+                                    <p:anim calcmode="lin" valueType="num">
+                                      <p:cBhvr additive="base">
+                                        <p:cTn id="7" dur="500" fill="hold"/>
+                                        <p:tgtEl>
+                                          <p:spTgt spid="3">
+                                            <p:txEl>
+                                              <p:pRg st="0" end="0"/>
+                                            </p:txEl>
+                                          </p:spTgt>
+                                        </p:tgtEl>
+                                        <p:attrNameLst>
+                                          <p:attrName>ppt_x</p:attrName>
+                                        </p:attrNameLst>
+                                      </p:cBhvr>
+                                      <p:tavLst>
+                                        <p:tav tm="0">
+                                          <p:val>
+                                            <p:strVal val="#ppt_x"/>
+                                          </p:val>
+                                        </p:tav>
+                                        <p:tav tm="100000">
+                                          <p:val>
+                                            <p:strVal val="#ppt_x"/>
+                                          </p:val>
+                                        </p:tav>
+                                      </p:tavLst>
+                                    </p:anim>
+                                    <p:anim calcmode="lin" valueType="num">
+                                      <p:cBhvr additive="base">
+                                        <p:cTn id="8" dur="500" fill="hold"/>
+                                        <p:tgtEl>
+                                          <p:spTgt spid="3">
+                                            <p:txEl>
+                                              <p:pRg st="0" end="0"/>
+                                            </p:txEl>
+                                          </p:spTgt>
+                                        </p:tgtEl>
+                                        <p:attrNameLst>
+                                          <p:attrName>ppt_y</p:attrName>
+                                        </p:attrNameLst>
+                                      </p:cBhvr>
+                                      <p:tavLst>
+                                        <p:tav tm="0">
+                                          <p:val>
+                                            <p:strVal val="1+#ppt_h/2"/>
+                                          </p:val>
+                                        </p:tav>
+                                        <p:tav tm="100000">
+                                          <p:val>
+                                            <p:strVal val="#ppt_y"/>
+                                          </p:val>
+                                        </p:tav>
+                                      </p:tavLst>
+                                    </p:anim>
+                                  </p:childTnLst>
+                                </p:cTn>
+                              </p:par>
+                            </p:childTnLst>
+                          </p:cTn>
+                        </p:par>
+                      </p:childTnLst>
+                    </p:cTn>
+                  </p:par>
+                  <p:par>
+                    <p:cTn id="9" fill="hold">
+                      <p:stCondLst>
+                        <p:cond delay="indefinite"/>
+                      </p:stCondLst>
+                      <p:childTnLst>
+                        <p:par>
+                          <p:cTn id="10" fill="hold">
+                            <p:stCondLst>
+                              <p:cond delay="0"/>
+                            </p:stCondLst>
+                            <p:childTnLst>
+                              <p:par>
+                                <p:cTn id="11" presetID="2" presetClass="entr" presetSubtype="4" fill="hold" nodeType="clickEffect">
+                                  <p:stCondLst>
+                                    <p:cond delay="0"/>
+                                  </p:stCondLst>
+                                  <p:childTnLst>
+                                    <p:set>
+                                      <p:cBhvr>
+                                        <p:cTn id="12" dur="1" fill="hold">
+                                          <p:stCondLst>
+                                            <p:cond delay="0"/>
+                                          </p:stCondLst>
+                                        </p:cTn>
+                                        <p:tgtEl>
+                                          <p:spTgt spid="3">
+                                            <p:txEl>
+                                              <p:pRg st="1" end="1"/>
+                                            </p:txEl>
+                                          </p:spTgt>
+                                        </p:tgtEl>
+                                        <p:attrNameLst>
+                                          <p:attrName>style.visibility</p:attrName>
+                                        </p:attrNameLst>
+                                      </p:cBhvr>
+                                      <p:to>
+                                        <p:strVal val="visible"/>
+                                      </p:to>
+                                    </p:set>
+                                    <p:anim calcmode="lin" valueType="num">
+                                      <p:cBhvr additive="base">
+                                        <p:cTn id="13" dur="500" fill="hold"/>
+                                        <p:tgtEl>
+                                          <p:spTgt spid="3">
+                                            <p:txEl>
+                                              <p:pRg st="1" end="1"/>
+                                            </p:txEl>
+                                          </p:spTgt>
+                                        </p:tgtEl>
+                                        <p:attrNameLst>
+                                          <p:attrName>ppt_x</p:attrName>
+                                        </p:attrNameLst>
+                                      </p:cBhvr>
+                                      <p:tavLst>
+                                        <p:tav tm="0">
+                                          <p:val>
+                                            <p:strVal val="#ppt_x"/>
+                                          </p:val>
+                                        </p:tav>
+                                        <p:tav tm="100000">
+                                          <p:val>
+                                            <p:strVal val="#ppt_x"/>
+                                          </p:val>
+                                        </p:tav>
+                                      </p:tavLst>
+                                    </p:anim>
+                                    <p:anim calcmode="lin" valueType="num">
+                                      <p:cBhvr additive="base">
+                                        <p:cTn id="14" dur="500" fill="hold"/>
+                                        <p:tgtEl>
+                                          <p:spTgt spid="3">
+                                            <p:txEl>
+                                              <p:pRg st="1" end="1"/>
+                                            </p:txEl>
+                                          </p:spTgt>
+                                        </p:tgtEl>
+                                        <p:attrNameLst>
+                                          <p:attrName>ppt_y</p:attrName>
+                                        </p:attrNameLst>
+                                      </p:cBhvr>
+                                      <p:tavLst>
+                                        <p:tav tm="0">
+                                          <p:val>
+                                            <p:strVal val="1+#ppt_h/2"/>
+                                          </p:val>
+                                        </p:tav>
+                                        <p:tav tm="100000">
+                                          <p:val>
+                                            <p:strVal val="#ppt_y"/>
+                                          </p:val>
+                                        </p:tav>
+                                      </p:tavLst>
+                                    </p:anim>
+                                  </p:childTnLst>
+                                </p:cTn>
+                              </p:par>
+                            </p:childTnLst>
+                          </p:cTn>
+                        </p:par>
+                      </p:childTnLst>
+                    </p:cTn>
+                  </p:par>
+                  <p:par>
+                    <p:cTn id="15" fill="hold">
+                      <p:stCondLst>
+                        <p:cond delay="indefinite"/>
+                      </p:stCondLst>
+                      <p:childTnLst>
+                        <p:par>
+                          <p:cTn id="16" fill="hold">
+                            <p:stCondLst>
+                              <p:cond delay="0"/>
+                            </p:stCondLst>
+                            <p:childTnLst>
+                              <p:par>
+                                <p:cTn id="17" presetID="2" presetClass="entr" presetSubtype="4" fill="hold" nodeType="clickEffect">
+                                  <p:stCondLst>
+                                    <p:cond delay="0"/>
+                                  </p:stCondLst>
+                                  <p:childTnLst>
+                                    <p:set>
+                                      <p:cBhvr>
+                                        <p:cTn id="18" dur="1" fill="hold">
+                                          <p:stCondLst>
+                                            <p:cond delay="0"/>
+                                          </p:stCondLst>
+                                        </p:cTn>
+                                        <p:tgtEl>
+                                          <p:spTgt spid="3">
+                                            <p:txEl>
+                                              <p:pRg st="2" end="2"/>
+                                            </p:txEl>
+                                          </p:spTgt>
+                                        </p:tgtEl>
+                                        <p:attrNameLst>
+                                          <p:attrName>style.visibility</p:attrName>
+                                        </p:attrNameLst>
+                                      </p:cBhvr>
+                                      <p:to>
+                                        <p:strVal val="visible"/>
+                                      </p:to>
+                                    </p:set>
+                                    <p:anim calcmode="lin" valueType="num">
+                                      <p:cBhvr additive="base">
+                                        <p:cTn id="19" dur="500" fill="hold"/>
+                                        <p:tgtEl>
+                                          <p:spTgt spid="3">
+                                            <p:txEl>
+                                              <p:pRg st="2" end="2"/>
+                                            </p:txEl>
+                                          </p:spTgt>
+                                        </p:tgtEl>
+                                        <p:attrNameLst>
+                                          <p:attrName>ppt_x</p:attrName>
+                                        </p:attrNameLst>
+                                      </p:cBhvr>
+                                      <p:tavLst>
+                                        <p:tav tm="0">
+                                          <p:val>
+                                            <p:strVal val="#ppt_x"/>
+                                          </p:val>
+                                        </p:tav>
+                                        <p:tav tm="100000">
+                                          <p:val>
+                                            <p:strVal val="#ppt_x"/>
+                                          </p:val>
+                                        </p:tav>
+                                      </p:tavLst>
+                                    </p:anim>
+                                    <p:anim calcmode="lin" valueType="num">
+                                      <p:cBhvr additive="base">
+                                        <p:cTn id="20" dur="500" fill="hold"/>
+                                        <p:tgtEl>
+                                          <p:spTgt spid="3">
+                                            <p:txEl>
+                                              <p:pRg st="2" end="2"/>
+                                            </p:txEl>
+                                          </p:spTgt>
+                                        </p:tgtEl>
+                                        <p:attrNameLst>
+                                          <p:attrName>ppt_y</p:attrName>
+                                        </p:attrNameLst>
+                                      </p:cBhvr>
+                                      <p:tavLst>
+                                        <p:tav tm="0">
+                                          <p:val>
+                                            <p:strVal val="1+#ppt_h/2"/>
+                                          </p:val>
+                                        </p:tav>
+                                        <p:tav tm="100000">
+                                          <p:val>
+                                            <p:strVal val="#ppt_y"/>
+                                          </p:val>
+                                        </p:tav>
+                                      </p:tavLst>
+                                    </p:anim>
+                                  </p:childTnLst>
+                                </p:cTn>
+                              </p:par>
+                            </p:childTnLst>
+                          </p:cTn>
+                        </p:par>
+                      </p:childTnLst>
+                    </p:cTn>
+                  </p:par>
+                </p:childTnLst>
+              </p:cTn>
+              <p:prevCondLst>
+                <p:cond evt="onPrev" delay="0">
+                  <p:tgtEl>
+                    <p:sldTgt/>
+                  </p:tgtEl>
+                </p:cond>
+              </p:prevCondLst>
+              <p:nextCondLst>
+                <p:cond evt="onNext" delay="0">
+                  <p:tgtEl>
+                    <p:sldTgt/>
+                  </p:tgtEl>
+                </p:cond>
+              </p:nextCondLst>
+            </p:seq>
+          </p:childTnLst>
+        </p:cTn>
       </p:par>
     </p:tnLst>
   </p:timing>
@@ -6832,7 +10473,339 @@
   <p:timing>
     <p:tnLst>
       <p:par>
-        <p:cTn id="1" dur="indefinite" restart="never" nodeType="tmRoot"/>
+        <p:cTn id="1" dur="indefinite" restart="never" nodeType="tmRoot">
+          <p:childTnLst>
+            <p:seq concurrent="1" nextAc="seek">
+              <p:cTn id="2" dur="indefinite" nodeType="mainSeq">
+                <p:childTnLst>
+                  <p:par>
+                    <p:cTn id="3" fill="hold">
+                      <p:stCondLst>
+                        <p:cond delay="indefinite"/>
+                      </p:stCondLst>
+                      <p:childTnLst>
+                        <p:par>
+                          <p:cTn id="4" fill="hold">
+                            <p:stCondLst>
+                              <p:cond delay="0"/>
+                            </p:stCondLst>
+                            <p:childTnLst>
+                              <p:par>
+                                <p:cTn id="5" presetID="2" presetClass="entr" presetSubtype="4" fill="hold" nodeType="clickEffect">
+                                  <p:stCondLst>
+                                    <p:cond delay="0"/>
+                                  </p:stCondLst>
+                                  <p:childTnLst>
+                                    <p:set>
+                                      <p:cBhvr>
+                                        <p:cTn id="6" dur="1" fill="hold">
+                                          <p:stCondLst>
+                                            <p:cond delay="0"/>
+                                          </p:stCondLst>
+                                        </p:cTn>
+                                        <p:tgtEl>
+                                          <p:spTgt spid="3">
+                                            <p:txEl>
+                                              <p:pRg st="0" end="0"/>
+                                            </p:txEl>
+                                          </p:spTgt>
+                                        </p:tgtEl>
+                                        <p:attrNameLst>
+                                          <p:attrName>style.visibility</p:attrName>
+                                        </p:attrNameLst>
+                                      </p:cBhvr>
+                                      <p:to>
+                                        <p:strVal val="visible"/>
+                                      </p:to>
+                                    </p:set>
+                                    <p:anim calcmode="lin" valueType="num">
+                                      <p:cBhvr additive="base">
+                                        <p:cTn id="7" dur="500" fill="hold"/>
+                                        <p:tgtEl>
+                                          <p:spTgt spid="3">
+                                            <p:txEl>
+                                              <p:pRg st="0" end="0"/>
+                                            </p:txEl>
+                                          </p:spTgt>
+                                        </p:tgtEl>
+                                        <p:attrNameLst>
+                                          <p:attrName>ppt_x</p:attrName>
+                                        </p:attrNameLst>
+                                      </p:cBhvr>
+                                      <p:tavLst>
+                                        <p:tav tm="0">
+                                          <p:val>
+                                            <p:strVal val="#ppt_x"/>
+                                          </p:val>
+                                        </p:tav>
+                                        <p:tav tm="100000">
+                                          <p:val>
+                                            <p:strVal val="#ppt_x"/>
+                                          </p:val>
+                                        </p:tav>
+                                      </p:tavLst>
+                                    </p:anim>
+                                    <p:anim calcmode="lin" valueType="num">
+                                      <p:cBhvr additive="base">
+                                        <p:cTn id="8" dur="500" fill="hold"/>
+                                        <p:tgtEl>
+                                          <p:spTgt spid="3">
+                                            <p:txEl>
+                                              <p:pRg st="0" end="0"/>
+                                            </p:txEl>
+                                          </p:spTgt>
+                                        </p:tgtEl>
+                                        <p:attrNameLst>
+                                          <p:attrName>ppt_y</p:attrName>
+                                        </p:attrNameLst>
+                                      </p:cBhvr>
+                                      <p:tavLst>
+                                        <p:tav tm="0">
+                                          <p:val>
+                                            <p:strVal val="1+#ppt_h/2"/>
+                                          </p:val>
+                                        </p:tav>
+                                        <p:tav tm="100000">
+                                          <p:val>
+                                            <p:strVal val="#ppt_y"/>
+                                          </p:val>
+                                        </p:tav>
+                                      </p:tavLst>
+                                    </p:anim>
+                                  </p:childTnLst>
+                                </p:cTn>
+                              </p:par>
+                            </p:childTnLst>
+                          </p:cTn>
+                        </p:par>
+                      </p:childTnLst>
+                    </p:cTn>
+                  </p:par>
+                  <p:par>
+                    <p:cTn id="9" fill="hold">
+                      <p:stCondLst>
+                        <p:cond delay="indefinite"/>
+                      </p:stCondLst>
+                      <p:childTnLst>
+                        <p:par>
+                          <p:cTn id="10" fill="hold">
+                            <p:stCondLst>
+                              <p:cond delay="0"/>
+                            </p:stCondLst>
+                            <p:childTnLst>
+                              <p:par>
+                                <p:cTn id="11" presetID="2" presetClass="entr" presetSubtype="4" fill="hold" nodeType="clickEffect">
+                                  <p:stCondLst>
+                                    <p:cond delay="0"/>
+                                  </p:stCondLst>
+                                  <p:childTnLst>
+                                    <p:set>
+                                      <p:cBhvr>
+                                        <p:cTn id="12" dur="1" fill="hold">
+                                          <p:stCondLst>
+                                            <p:cond delay="0"/>
+                                          </p:stCondLst>
+                                        </p:cTn>
+                                        <p:tgtEl>
+                                          <p:spTgt spid="3">
+                                            <p:txEl>
+                                              <p:pRg st="1" end="1"/>
+                                            </p:txEl>
+                                          </p:spTgt>
+                                        </p:tgtEl>
+                                        <p:attrNameLst>
+                                          <p:attrName>style.visibility</p:attrName>
+                                        </p:attrNameLst>
+                                      </p:cBhvr>
+                                      <p:to>
+                                        <p:strVal val="visible"/>
+                                      </p:to>
+                                    </p:set>
+                                    <p:anim calcmode="lin" valueType="num">
+                                      <p:cBhvr additive="base">
+                                        <p:cTn id="13" dur="500" fill="hold"/>
+                                        <p:tgtEl>
+                                          <p:spTgt spid="3">
+                                            <p:txEl>
+                                              <p:pRg st="1" end="1"/>
+                                            </p:txEl>
+                                          </p:spTgt>
+                                        </p:tgtEl>
+                                        <p:attrNameLst>
+                                          <p:attrName>ppt_x</p:attrName>
+                                        </p:attrNameLst>
+                                      </p:cBhvr>
+                                      <p:tavLst>
+                                        <p:tav tm="0">
+                                          <p:val>
+                                            <p:strVal val="#ppt_x"/>
+                                          </p:val>
+                                        </p:tav>
+                                        <p:tav tm="100000">
+                                          <p:val>
+                                            <p:strVal val="#ppt_x"/>
+                                          </p:val>
+                                        </p:tav>
+                                      </p:tavLst>
+                                    </p:anim>
+                                    <p:anim calcmode="lin" valueType="num">
+                                      <p:cBhvr additive="base">
+                                        <p:cTn id="14" dur="500" fill="hold"/>
+                                        <p:tgtEl>
+                                          <p:spTgt spid="3">
+                                            <p:txEl>
+                                              <p:pRg st="1" end="1"/>
+                                            </p:txEl>
+                                          </p:spTgt>
+                                        </p:tgtEl>
+                                        <p:attrNameLst>
+                                          <p:attrName>ppt_y</p:attrName>
+                                        </p:attrNameLst>
+                                      </p:cBhvr>
+                                      <p:tavLst>
+                                        <p:tav tm="0">
+                                          <p:val>
+                                            <p:strVal val="1+#ppt_h/2"/>
+                                          </p:val>
+                                        </p:tav>
+                                        <p:tav tm="100000">
+                                          <p:val>
+                                            <p:strVal val="#ppt_y"/>
+                                          </p:val>
+                                        </p:tav>
+                                      </p:tavLst>
+                                    </p:anim>
+                                  </p:childTnLst>
+                                </p:cTn>
+                              </p:par>
+                            </p:childTnLst>
+                          </p:cTn>
+                        </p:par>
+                      </p:childTnLst>
+                    </p:cTn>
+                  </p:par>
+                  <p:par>
+                    <p:cTn id="15" fill="hold">
+                      <p:stCondLst>
+                        <p:cond delay="indefinite"/>
+                      </p:stCondLst>
+                      <p:childTnLst>
+                        <p:par>
+                          <p:cTn id="16" fill="hold">
+                            <p:stCondLst>
+                              <p:cond delay="0"/>
+                            </p:stCondLst>
+                            <p:childTnLst>
+                              <p:par>
+                                <p:cTn id="17" presetID="2" presetClass="entr" presetSubtype="4" fill="hold" nodeType="clickEffect">
+                                  <p:stCondLst>
+                                    <p:cond delay="0"/>
+                                  </p:stCondLst>
+                                  <p:childTnLst>
+                                    <p:set>
+                                      <p:cBhvr>
+                                        <p:cTn id="18" dur="1" fill="hold">
+                                          <p:stCondLst>
+                                            <p:cond delay="0"/>
+                                          </p:stCondLst>
+                                        </p:cTn>
+                                        <p:tgtEl>
+                                          <p:spTgt spid="3">
+                                            <p:txEl>
+                                              <p:pRg st="2" end="2"/>
+                                            </p:txEl>
+                                          </p:spTgt>
+                                        </p:tgtEl>
+                                        <p:attrNameLst>
+                                          <p:attrName>style.visibility</p:attrName>
+                                        </p:attrNameLst>
+                                      </p:cBhvr>
+                                      <p:to>
+                                        <p:strVal val="visible"/>
+                                      </p:to>
+                                    </p:set>
+                                    <p:anim calcmode="lin" valueType="num">
+                                      <p:cBhvr additive="base">
+                                        <p:cTn id="19" dur="500" fill="hold"/>
+                                        <p:tgtEl>
+                                          <p:spTgt spid="3">
+                                            <p:txEl>
+                                              <p:pRg st="2" end="2"/>
+                                            </p:txEl>
+                                          </p:spTgt>
+                                        </p:tgtEl>
+                                        <p:attrNameLst>
+                                          <p:attrName>ppt_x</p:attrName>
+                                        </p:attrNameLst>
+                                      </p:cBhvr>
+                                      <p:tavLst>
+                                        <p:tav tm="0">
+                                          <p:val>
+                                            <p:strVal val="#ppt_x"/>
+                                          </p:val>
+                                        </p:tav>
+                                        <p:tav tm="100000">
+                                          <p:val>
+                                            <p:strVal val="#ppt_x"/>
+                                          </p:val>
+                                        </p:tav>
+                                      </p:tavLst>
+                                    </p:anim>
+                                    <p:anim calcmode="lin" valueType="num">
+                                      <p:cBhvr additive="base">
+                                        <p:cTn id="20" dur="500" fill="hold"/>
+                                        <p:tgtEl>
+                                          <p:spTgt spid="3">
+                                            <p:txEl>
+                                              <p:pRg st="2" end="2"/>
+                                            </p:txEl>
+                                          </p:spTgt>
+                                        </p:tgtEl>
+                                        <p:attrNameLst>
+                                          <p:attrName>ppt_y</p:attrName>
+                                        </p:attrNameLst>
+                                      </p:cBhvr>
+                                      <p:tavLst>
+                                        <p:tav tm="0">
+                                          <p:val>
+                                            <p:strVal val="1+#ppt_h/2"/>
+                                          </p:val>
+                                        </p:tav>
+                                        <p:tav tm="100000">
+                                          <p:val>
+                                            <p:strVal val="#ppt_y"/>
+                                          </p:val>
+                                        </p:tav>
+                                      </p:tavLst>
+                                    </p:anim>
+                                  </p:childTnLst>
+                                </p:cTn>
+                              </p:par>
+                            </p:childTnLst>
+                          </p:cTn>
+                        </p:par>
+                      </p:childTnLst>
+                    </p:cTn>
+                  </p:par>
+                </p:childTnLst>
+              </p:cTn>
+              <p:prevCondLst>
+                <p:cond evt="onPrev" delay="0">
+                  <p:tgtEl>
+                    <p:sldTgt/>
+                  </p:tgtEl>
+                </p:cond>
+              </p:prevCondLst>
+              <p:nextCondLst>
+                <p:cond evt="onNext" delay="0">
+                  <p:tgtEl>
+                    <p:sldTgt/>
+                  </p:tgtEl>
+                </p:cond>
+              </p:nextCondLst>
+            </p:seq>
+          </p:childTnLst>
+        </p:cTn>
       </p:par>
     </p:tnLst>
   </p:timing>
@@ -7314,7 +11287,236 @@
   <p:timing>
     <p:tnLst>
       <p:par>
-        <p:cTn id="1" dur="indefinite" restart="never" nodeType="tmRoot"/>
+        <p:cTn id="1" dur="indefinite" restart="never" nodeType="tmRoot">
+          <p:childTnLst>
+            <p:seq concurrent="1" nextAc="seek">
+              <p:cTn id="2" dur="indefinite" nodeType="mainSeq">
+                <p:childTnLst>
+                  <p:par>
+                    <p:cTn id="3" fill="hold">
+                      <p:stCondLst>
+                        <p:cond delay="indefinite"/>
+                      </p:stCondLst>
+                      <p:childTnLst>
+                        <p:par>
+                          <p:cTn id="4" fill="hold">
+                            <p:stCondLst>
+                              <p:cond delay="0"/>
+                            </p:stCondLst>
+                            <p:childTnLst>
+                              <p:par>
+                                <p:cTn id="5" presetID="2" presetClass="entr" presetSubtype="4" fill="hold" nodeType="clickEffect">
+                                  <p:stCondLst>
+                                    <p:cond delay="0"/>
+                                  </p:stCondLst>
+                                  <p:childTnLst>
+                                    <p:set>
+                                      <p:cBhvr>
+                                        <p:cTn id="6" dur="1" fill="hold">
+                                          <p:stCondLst>
+                                            <p:cond delay="0"/>
+                                          </p:stCondLst>
+                                        </p:cTn>
+                                        <p:tgtEl>
+                                          <p:spTgt spid="3">
+                                            <p:txEl>
+                                              <p:pRg st="0" end="0"/>
+                                            </p:txEl>
+                                          </p:spTgt>
+                                        </p:tgtEl>
+                                        <p:attrNameLst>
+                                          <p:attrName>style.visibility</p:attrName>
+                                        </p:attrNameLst>
+                                      </p:cBhvr>
+                                      <p:to>
+                                        <p:strVal val="visible"/>
+                                      </p:to>
+                                    </p:set>
+                                    <p:anim calcmode="lin" valueType="num">
+                                      <p:cBhvr additive="base">
+                                        <p:cTn id="7" dur="500" fill="hold"/>
+                                        <p:tgtEl>
+                                          <p:spTgt spid="3">
+                                            <p:txEl>
+                                              <p:pRg st="0" end="0"/>
+                                            </p:txEl>
+                                          </p:spTgt>
+                                        </p:tgtEl>
+                                        <p:attrNameLst>
+                                          <p:attrName>ppt_x</p:attrName>
+                                        </p:attrNameLst>
+                                      </p:cBhvr>
+                                      <p:tavLst>
+                                        <p:tav tm="0">
+                                          <p:val>
+                                            <p:strVal val="#ppt_x"/>
+                                          </p:val>
+                                        </p:tav>
+                                        <p:tav tm="100000">
+                                          <p:val>
+                                            <p:strVal val="#ppt_x"/>
+                                          </p:val>
+                                        </p:tav>
+                                      </p:tavLst>
+                                    </p:anim>
+                                    <p:anim calcmode="lin" valueType="num">
+                                      <p:cBhvr additive="base">
+                                        <p:cTn id="8" dur="500" fill="hold"/>
+                                        <p:tgtEl>
+                                          <p:spTgt spid="3">
+                                            <p:txEl>
+                                              <p:pRg st="0" end="0"/>
+                                            </p:txEl>
+                                          </p:spTgt>
+                                        </p:tgtEl>
+                                        <p:attrNameLst>
+                                          <p:attrName>ppt_y</p:attrName>
+                                        </p:attrNameLst>
+                                      </p:cBhvr>
+                                      <p:tavLst>
+                                        <p:tav tm="0">
+                                          <p:val>
+                                            <p:strVal val="1+#ppt_h/2"/>
+                                          </p:val>
+                                        </p:tav>
+                                        <p:tav tm="100000">
+                                          <p:val>
+                                            <p:strVal val="#ppt_y"/>
+                                          </p:val>
+                                        </p:tav>
+                                      </p:tavLst>
+                                    </p:anim>
+                                  </p:childTnLst>
+                                </p:cTn>
+                              </p:par>
+                            </p:childTnLst>
+                          </p:cTn>
+                        </p:par>
+                      </p:childTnLst>
+                    </p:cTn>
+                  </p:par>
+                  <p:par>
+                    <p:cTn id="9" fill="hold">
+                      <p:stCondLst>
+                        <p:cond delay="indefinite"/>
+                      </p:stCondLst>
+                      <p:childTnLst>
+                        <p:par>
+                          <p:cTn id="10" fill="hold">
+                            <p:stCondLst>
+                              <p:cond delay="0"/>
+                            </p:stCondLst>
+                            <p:childTnLst>
+                              <p:par>
+                                <p:cTn id="11" presetID="2" presetClass="entr" presetSubtype="4" fill="hold" nodeType="clickEffect">
+                                  <p:stCondLst>
+                                    <p:cond delay="0"/>
+                                  </p:stCondLst>
+                                  <p:childTnLst>
+                                    <p:set>
+                                      <p:cBhvr>
+                                        <p:cTn id="12" dur="1" fill="hold">
+                                          <p:stCondLst>
+                                            <p:cond delay="0"/>
+                                          </p:stCondLst>
+                                        </p:cTn>
+                                        <p:tgtEl>
+                                          <p:spTgt spid="3">
+                                            <p:txEl>
+                                              <p:pRg st="1" end="1"/>
+                                            </p:txEl>
+                                          </p:spTgt>
+                                        </p:tgtEl>
+                                        <p:attrNameLst>
+                                          <p:attrName>style.visibility</p:attrName>
+                                        </p:attrNameLst>
+                                      </p:cBhvr>
+                                      <p:to>
+                                        <p:strVal val="visible"/>
+                                      </p:to>
+                                    </p:set>
+                                    <p:anim calcmode="lin" valueType="num">
+                                      <p:cBhvr additive="base">
+                                        <p:cTn id="13" dur="500" fill="hold"/>
+                                        <p:tgtEl>
+                                          <p:spTgt spid="3">
+                                            <p:txEl>
+                                              <p:pRg st="1" end="1"/>
+                                            </p:txEl>
+                                          </p:spTgt>
+                                        </p:tgtEl>
+                                        <p:attrNameLst>
+                                          <p:attrName>ppt_x</p:attrName>
+                                        </p:attrNameLst>
+                                      </p:cBhvr>
+                                      <p:tavLst>
+                                        <p:tav tm="0">
+                                          <p:val>
+                                            <p:strVal val="#ppt_x"/>
+                                          </p:val>
+                                        </p:tav>
+                                        <p:tav tm="100000">
+                                          <p:val>
+                                            <p:strVal val="#ppt_x"/>
+                                          </p:val>
+                                        </p:tav>
+                                      </p:tavLst>
+                                    </p:anim>
+                                    <p:anim calcmode="lin" valueType="num">
+                                      <p:cBhvr additive="base">
+                                        <p:cTn id="14" dur="500" fill="hold"/>
+                                        <p:tgtEl>
+                                          <p:spTgt spid="3">
+                                            <p:txEl>
+                                              <p:pRg st="1" end="1"/>
+                                            </p:txEl>
+                                          </p:spTgt>
+                                        </p:tgtEl>
+                                        <p:attrNameLst>
+                                          <p:attrName>ppt_y</p:attrName>
+                                        </p:attrNameLst>
+                                      </p:cBhvr>
+                                      <p:tavLst>
+                                        <p:tav tm="0">
+                                          <p:val>
+                                            <p:strVal val="1+#ppt_h/2"/>
+                                          </p:val>
+                                        </p:tav>
+                                        <p:tav tm="100000">
+                                          <p:val>
+                                            <p:strVal val="#ppt_y"/>
+                                          </p:val>
+                                        </p:tav>
+                                      </p:tavLst>
+                                    </p:anim>
+                                  </p:childTnLst>
+                                </p:cTn>
+                              </p:par>
+                            </p:childTnLst>
+                          </p:cTn>
+                        </p:par>
+                      </p:childTnLst>
+                    </p:cTn>
+                  </p:par>
+                </p:childTnLst>
+              </p:cTn>
+              <p:prevCondLst>
+                <p:cond evt="onPrev" delay="0">
+                  <p:tgtEl>
+                    <p:sldTgt/>
+                  </p:tgtEl>
+                </p:cond>
+              </p:prevCondLst>
+              <p:nextCondLst>
+                <p:cond evt="onNext" delay="0">
+                  <p:tgtEl>
+                    <p:sldTgt/>
+                  </p:tgtEl>
+                </p:cond>
+              </p:nextCondLst>
+            </p:seq>
+          </p:childTnLst>
+        </p:cTn>
       </p:par>
     </p:tnLst>
   </p:timing>
@@ -7407,7 +11609,236 @@
   <p:timing>
     <p:tnLst>
       <p:par>
-        <p:cTn id="1" dur="indefinite" restart="never" nodeType="tmRoot"/>
+        <p:cTn id="1" dur="indefinite" restart="never" nodeType="tmRoot">
+          <p:childTnLst>
+            <p:seq concurrent="1" nextAc="seek">
+              <p:cTn id="2" dur="indefinite" nodeType="mainSeq">
+                <p:childTnLst>
+                  <p:par>
+                    <p:cTn id="3" fill="hold">
+                      <p:stCondLst>
+                        <p:cond delay="indefinite"/>
+                      </p:stCondLst>
+                      <p:childTnLst>
+                        <p:par>
+                          <p:cTn id="4" fill="hold">
+                            <p:stCondLst>
+                              <p:cond delay="0"/>
+                            </p:stCondLst>
+                            <p:childTnLst>
+                              <p:par>
+                                <p:cTn id="5" presetID="2" presetClass="entr" presetSubtype="4" fill="hold" nodeType="clickEffect">
+                                  <p:stCondLst>
+                                    <p:cond delay="0"/>
+                                  </p:stCondLst>
+                                  <p:childTnLst>
+                                    <p:set>
+                                      <p:cBhvr>
+                                        <p:cTn id="6" dur="1" fill="hold">
+                                          <p:stCondLst>
+                                            <p:cond delay="0"/>
+                                          </p:stCondLst>
+                                        </p:cTn>
+                                        <p:tgtEl>
+                                          <p:spTgt spid="3">
+                                            <p:txEl>
+                                              <p:pRg st="0" end="0"/>
+                                            </p:txEl>
+                                          </p:spTgt>
+                                        </p:tgtEl>
+                                        <p:attrNameLst>
+                                          <p:attrName>style.visibility</p:attrName>
+                                        </p:attrNameLst>
+                                      </p:cBhvr>
+                                      <p:to>
+                                        <p:strVal val="visible"/>
+                                      </p:to>
+                                    </p:set>
+                                    <p:anim calcmode="lin" valueType="num">
+                                      <p:cBhvr additive="base">
+                                        <p:cTn id="7" dur="500" fill="hold"/>
+                                        <p:tgtEl>
+                                          <p:spTgt spid="3">
+                                            <p:txEl>
+                                              <p:pRg st="0" end="0"/>
+                                            </p:txEl>
+                                          </p:spTgt>
+                                        </p:tgtEl>
+                                        <p:attrNameLst>
+                                          <p:attrName>ppt_x</p:attrName>
+                                        </p:attrNameLst>
+                                      </p:cBhvr>
+                                      <p:tavLst>
+                                        <p:tav tm="0">
+                                          <p:val>
+                                            <p:strVal val="#ppt_x"/>
+                                          </p:val>
+                                        </p:tav>
+                                        <p:tav tm="100000">
+                                          <p:val>
+                                            <p:strVal val="#ppt_x"/>
+                                          </p:val>
+                                        </p:tav>
+                                      </p:tavLst>
+                                    </p:anim>
+                                    <p:anim calcmode="lin" valueType="num">
+                                      <p:cBhvr additive="base">
+                                        <p:cTn id="8" dur="500" fill="hold"/>
+                                        <p:tgtEl>
+                                          <p:spTgt spid="3">
+                                            <p:txEl>
+                                              <p:pRg st="0" end="0"/>
+                                            </p:txEl>
+                                          </p:spTgt>
+                                        </p:tgtEl>
+                                        <p:attrNameLst>
+                                          <p:attrName>ppt_y</p:attrName>
+                                        </p:attrNameLst>
+                                      </p:cBhvr>
+                                      <p:tavLst>
+                                        <p:tav tm="0">
+                                          <p:val>
+                                            <p:strVal val="1+#ppt_h/2"/>
+                                          </p:val>
+                                        </p:tav>
+                                        <p:tav tm="100000">
+                                          <p:val>
+                                            <p:strVal val="#ppt_y"/>
+                                          </p:val>
+                                        </p:tav>
+                                      </p:tavLst>
+                                    </p:anim>
+                                  </p:childTnLst>
+                                </p:cTn>
+                              </p:par>
+                            </p:childTnLst>
+                          </p:cTn>
+                        </p:par>
+                      </p:childTnLst>
+                    </p:cTn>
+                  </p:par>
+                  <p:par>
+                    <p:cTn id="9" fill="hold">
+                      <p:stCondLst>
+                        <p:cond delay="indefinite"/>
+                      </p:stCondLst>
+                      <p:childTnLst>
+                        <p:par>
+                          <p:cTn id="10" fill="hold">
+                            <p:stCondLst>
+                              <p:cond delay="0"/>
+                            </p:stCondLst>
+                            <p:childTnLst>
+                              <p:par>
+                                <p:cTn id="11" presetID="2" presetClass="entr" presetSubtype="4" fill="hold" nodeType="clickEffect">
+                                  <p:stCondLst>
+                                    <p:cond delay="0"/>
+                                  </p:stCondLst>
+                                  <p:childTnLst>
+                                    <p:set>
+                                      <p:cBhvr>
+                                        <p:cTn id="12" dur="1" fill="hold">
+                                          <p:stCondLst>
+                                            <p:cond delay="0"/>
+                                          </p:stCondLst>
+                                        </p:cTn>
+                                        <p:tgtEl>
+                                          <p:spTgt spid="3">
+                                            <p:txEl>
+                                              <p:pRg st="1" end="1"/>
+                                            </p:txEl>
+                                          </p:spTgt>
+                                        </p:tgtEl>
+                                        <p:attrNameLst>
+                                          <p:attrName>style.visibility</p:attrName>
+                                        </p:attrNameLst>
+                                      </p:cBhvr>
+                                      <p:to>
+                                        <p:strVal val="visible"/>
+                                      </p:to>
+                                    </p:set>
+                                    <p:anim calcmode="lin" valueType="num">
+                                      <p:cBhvr additive="base">
+                                        <p:cTn id="13" dur="500" fill="hold"/>
+                                        <p:tgtEl>
+                                          <p:spTgt spid="3">
+                                            <p:txEl>
+                                              <p:pRg st="1" end="1"/>
+                                            </p:txEl>
+                                          </p:spTgt>
+                                        </p:tgtEl>
+                                        <p:attrNameLst>
+                                          <p:attrName>ppt_x</p:attrName>
+                                        </p:attrNameLst>
+                                      </p:cBhvr>
+                                      <p:tavLst>
+                                        <p:tav tm="0">
+                                          <p:val>
+                                            <p:strVal val="#ppt_x"/>
+                                          </p:val>
+                                        </p:tav>
+                                        <p:tav tm="100000">
+                                          <p:val>
+                                            <p:strVal val="#ppt_x"/>
+                                          </p:val>
+                                        </p:tav>
+                                      </p:tavLst>
+                                    </p:anim>
+                                    <p:anim calcmode="lin" valueType="num">
+                                      <p:cBhvr additive="base">
+                                        <p:cTn id="14" dur="500" fill="hold"/>
+                                        <p:tgtEl>
+                                          <p:spTgt spid="3">
+                                            <p:txEl>
+                                              <p:pRg st="1" end="1"/>
+                                            </p:txEl>
+                                          </p:spTgt>
+                                        </p:tgtEl>
+                                        <p:attrNameLst>
+                                          <p:attrName>ppt_y</p:attrName>
+                                        </p:attrNameLst>
+                                      </p:cBhvr>
+                                      <p:tavLst>
+                                        <p:tav tm="0">
+                                          <p:val>
+                                            <p:strVal val="1+#ppt_h/2"/>
+                                          </p:val>
+                                        </p:tav>
+                                        <p:tav tm="100000">
+                                          <p:val>
+                                            <p:strVal val="#ppt_y"/>
+                                          </p:val>
+                                        </p:tav>
+                                      </p:tavLst>
+                                    </p:anim>
+                                  </p:childTnLst>
+                                </p:cTn>
+                              </p:par>
+                            </p:childTnLst>
+                          </p:cTn>
+                        </p:par>
+                      </p:childTnLst>
+                    </p:cTn>
+                  </p:par>
+                </p:childTnLst>
+              </p:cTn>
+              <p:prevCondLst>
+                <p:cond evt="onPrev" delay="0">
+                  <p:tgtEl>
+                    <p:sldTgt/>
+                  </p:tgtEl>
+                </p:cond>
+              </p:prevCondLst>
+              <p:nextCondLst>
+                <p:cond evt="onNext" delay="0">
+                  <p:tgtEl>
+                    <p:sldTgt/>
+                  </p:tgtEl>
+                </p:cond>
+              </p:nextCondLst>
+            </p:seq>
+          </p:childTnLst>
+        </p:cTn>
       </p:par>
     </p:tnLst>
   </p:timing>
@@ -7498,7 +11929,236 @@
   <p:timing>
     <p:tnLst>
       <p:par>
-        <p:cTn id="1" dur="indefinite" restart="never" nodeType="tmRoot"/>
+        <p:cTn id="1" dur="indefinite" restart="never" nodeType="tmRoot">
+          <p:childTnLst>
+            <p:seq concurrent="1" nextAc="seek">
+              <p:cTn id="2" dur="indefinite" nodeType="mainSeq">
+                <p:childTnLst>
+                  <p:par>
+                    <p:cTn id="3" fill="hold">
+                      <p:stCondLst>
+                        <p:cond delay="indefinite"/>
+                      </p:stCondLst>
+                      <p:childTnLst>
+                        <p:par>
+                          <p:cTn id="4" fill="hold">
+                            <p:stCondLst>
+                              <p:cond delay="0"/>
+                            </p:stCondLst>
+                            <p:childTnLst>
+                              <p:par>
+                                <p:cTn id="5" presetID="2" presetClass="entr" presetSubtype="4" fill="hold" nodeType="clickEffect">
+                                  <p:stCondLst>
+                                    <p:cond delay="0"/>
+                                  </p:stCondLst>
+                                  <p:childTnLst>
+                                    <p:set>
+                                      <p:cBhvr>
+                                        <p:cTn id="6" dur="1" fill="hold">
+                                          <p:stCondLst>
+                                            <p:cond delay="0"/>
+                                          </p:stCondLst>
+                                        </p:cTn>
+                                        <p:tgtEl>
+                                          <p:spTgt spid="3">
+                                            <p:txEl>
+                                              <p:pRg st="0" end="0"/>
+                                            </p:txEl>
+                                          </p:spTgt>
+                                        </p:tgtEl>
+                                        <p:attrNameLst>
+                                          <p:attrName>style.visibility</p:attrName>
+                                        </p:attrNameLst>
+                                      </p:cBhvr>
+                                      <p:to>
+                                        <p:strVal val="visible"/>
+                                      </p:to>
+                                    </p:set>
+                                    <p:anim calcmode="lin" valueType="num">
+                                      <p:cBhvr additive="base">
+                                        <p:cTn id="7" dur="500" fill="hold"/>
+                                        <p:tgtEl>
+                                          <p:spTgt spid="3">
+                                            <p:txEl>
+                                              <p:pRg st="0" end="0"/>
+                                            </p:txEl>
+                                          </p:spTgt>
+                                        </p:tgtEl>
+                                        <p:attrNameLst>
+                                          <p:attrName>ppt_x</p:attrName>
+                                        </p:attrNameLst>
+                                      </p:cBhvr>
+                                      <p:tavLst>
+                                        <p:tav tm="0">
+                                          <p:val>
+                                            <p:strVal val="#ppt_x"/>
+                                          </p:val>
+                                        </p:tav>
+                                        <p:tav tm="100000">
+                                          <p:val>
+                                            <p:strVal val="#ppt_x"/>
+                                          </p:val>
+                                        </p:tav>
+                                      </p:tavLst>
+                                    </p:anim>
+                                    <p:anim calcmode="lin" valueType="num">
+                                      <p:cBhvr additive="base">
+                                        <p:cTn id="8" dur="500" fill="hold"/>
+                                        <p:tgtEl>
+                                          <p:spTgt spid="3">
+                                            <p:txEl>
+                                              <p:pRg st="0" end="0"/>
+                                            </p:txEl>
+                                          </p:spTgt>
+                                        </p:tgtEl>
+                                        <p:attrNameLst>
+                                          <p:attrName>ppt_y</p:attrName>
+                                        </p:attrNameLst>
+                                      </p:cBhvr>
+                                      <p:tavLst>
+                                        <p:tav tm="0">
+                                          <p:val>
+                                            <p:strVal val="1+#ppt_h/2"/>
+                                          </p:val>
+                                        </p:tav>
+                                        <p:tav tm="100000">
+                                          <p:val>
+                                            <p:strVal val="#ppt_y"/>
+                                          </p:val>
+                                        </p:tav>
+                                      </p:tavLst>
+                                    </p:anim>
+                                  </p:childTnLst>
+                                </p:cTn>
+                              </p:par>
+                            </p:childTnLst>
+                          </p:cTn>
+                        </p:par>
+                      </p:childTnLst>
+                    </p:cTn>
+                  </p:par>
+                  <p:par>
+                    <p:cTn id="9" fill="hold">
+                      <p:stCondLst>
+                        <p:cond delay="indefinite"/>
+                      </p:stCondLst>
+                      <p:childTnLst>
+                        <p:par>
+                          <p:cTn id="10" fill="hold">
+                            <p:stCondLst>
+                              <p:cond delay="0"/>
+                            </p:stCondLst>
+                            <p:childTnLst>
+                              <p:par>
+                                <p:cTn id="11" presetID="2" presetClass="entr" presetSubtype="4" fill="hold" nodeType="clickEffect">
+                                  <p:stCondLst>
+                                    <p:cond delay="0"/>
+                                  </p:stCondLst>
+                                  <p:childTnLst>
+                                    <p:set>
+                                      <p:cBhvr>
+                                        <p:cTn id="12" dur="1" fill="hold">
+                                          <p:stCondLst>
+                                            <p:cond delay="0"/>
+                                          </p:stCondLst>
+                                        </p:cTn>
+                                        <p:tgtEl>
+                                          <p:spTgt spid="3">
+                                            <p:txEl>
+                                              <p:pRg st="1" end="1"/>
+                                            </p:txEl>
+                                          </p:spTgt>
+                                        </p:tgtEl>
+                                        <p:attrNameLst>
+                                          <p:attrName>style.visibility</p:attrName>
+                                        </p:attrNameLst>
+                                      </p:cBhvr>
+                                      <p:to>
+                                        <p:strVal val="visible"/>
+                                      </p:to>
+                                    </p:set>
+                                    <p:anim calcmode="lin" valueType="num">
+                                      <p:cBhvr additive="base">
+                                        <p:cTn id="13" dur="500" fill="hold"/>
+                                        <p:tgtEl>
+                                          <p:spTgt spid="3">
+                                            <p:txEl>
+                                              <p:pRg st="1" end="1"/>
+                                            </p:txEl>
+                                          </p:spTgt>
+                                        </p:tgtEl>
+                                        <p:attrNameLst>
+                                          <p:attrName>ppt_x</p:attrName>
+                                        </p:attrNameLst>
+                                      </p:cBhvr>
+                                      <p:tavLst>
+                                        <p:tav tm="0">
+                                          <p:val>
+                                            <p:strVal val="#ppt_x"/>
+                                          </p:val>
+                                        </p:tav>
+                                        <p:tav tm="100000">
+                                          <p:val>
+                                            <p:strVal val="#ppt_x"/>
+                                          </p:val>
+                                        </p:tav>
+                                      </p:tavLst>
+                                    </p:anim>
+                                    <p:anim calcmode="lin" valueType="num">
+                                      <p:cBhvr additive="base">
+                                        <p:cTn id="14" dur="500" fill="hold"/>
+                                        <p:tgtEl>
+                                          <p:spTgt spid="3">
+                                            <p:txEl>
+                                              <p:pRg st="1" end="1"/>
+                                            </p:txEl>
+                                          </p:spTgt>
+                                        </p:tgtEl>
+                                        <p:attrNameLst>
+                                          <p:attrName>ppt_y</p:attrName>
+                                        </p:attrNameLst>
+                                      </p:cBhvr>
+                                      <p:tavLst>
+                                        <p:tav tm="0">
+                                          <p:val>
+                                            <p:strVal val="1+#ppt_h/2"/>
+                                          </p:val>
+                                        </p:tav>
+                                        <p:tav tm="100000">
+                                          <p:val>
+                                            <p:strVal val="#ppt_y"/>
+                                          </p:val>
+                                        </p:tav>
+                                      </p:tavLst>
+                                    </p:anim>
+                                  </p:childTnLst>
+                                </p:cTn>
+                              </p:par>
+                            </p:childTnLst>
+                          </p:cTn>
+                        </p:par>
+                      </p:childTnLst>
+                    </p:cTn>
+                  </p:par>
+                </p:childTnLst>
+              </p:cTn>
+              <p:prevCondLst>
+                <p:cond evt="onPrev" delay="0">
+                  <p:tgtEl>
+                    <p:sldTgt/>
+                  </p:tgtEl>
+                </p:cond>
+              </p:prevCondLst>
+              <p:nextCondLst>
+                <p:cond evt="onNext" delay="0">
+                  <p:tgtEl>
+                    <p:sldTgt/>
+                  </p:tgtEl>
+                </p:cond>
+              </p:nextCondLst>
+            </p:seq>
+          </p:childTnLst>
+        </p:cTn>
       </p:par>
     </p:tnLst>
   </p:timing>
